--- a/设计图.pptx
+++ b/设计图.pptx
@@ -3349,7 +3349,7 @@
           <a:p>
             <a:r>
               <a:rPr lang="en-US" altLang="zh-CN" dirty="0" err="1"/>
-              <a:t>PressureMeter-MasterNode</a:t>
+              <a:t>PressureMeterNet</a:t>
             </a:r>
             <a:endParaRPr lang="zh-CN" altLang="en-US" dirty="0"/>
           </a:p>
@@ -3378,15 +3378,7 @@
           <a:p>
             <a:r>
               <a:rPr lang="zh-CN" altLang="en-US" dirty="0"/>
-              <a:t>分布式测试服务</a:t>
-            </a:r>
-            <a:r>
-              <a:rPr lang="en-US" altLang="zh-CN" dirty="0"/>
-              <a:t>-</a:t>
-            </a:r>
-            <a:r>
-              <a:rPr lang="zh-CN" altLang="en-US" dirty="0"/>
-              <a:t>主机节点</a:t>
+              <a:t>自组织的分布式测试服务网络</a:t>
             </a:r>
           </a:p>
         </p:txBody>
@@ -3619,7 +3611,7 @@
           </a:fontRef>
         </p:style>
         <p:txBody>
-          <a:bodyPr rtlCol="0" anchor="ctr"/>
+          <a:bodyPr rtlCol="0" anchor="t"/>
           <a:lstStyle/>
           <a:p>
             <a:pPr algn="ctr"/>
@@ -3634,57 +3626,6 @@
             <a:r>
               <a:rPr lang="zh-CN" altLang="en-US" dirty="0"/>
               <a:t>服务端</a:t>
-            </a:r>
-          </a:p>
-        </p:txBody>
-      </p:sp>
-      <p:sp>
-        <p:nvSpPr>
-          <p:cNvPr id="7" name="矩形 6">
-            <a:extLst>
-              <a:ext uri="{FF2B5EF4-FFF2-40B4-BE49-F238E27FC236}">
-                <a16:creationId xmlns:a16="http://schemas.microsoft.com/office/drawing/2014/main" id="{043A2305-D516-4959-80B6-F59B96ACD146}"/>
-              </a:ext>
-            </a:extLst>
-          </p:cNvPr>
-          <p:cNvSpPr/>
-          <p:nvPr/>
-        </p:nvSpPr>
-        <p:spPr>
-          <a:xfrm>
-            <a:off x="5435600" y="5118950"/>
-            <a:ext cx="1320800" cy="642405"/>
-          </a:xfrm>
-          <a:prstGeom prst="rect">
-            <a:avLst/>
-          </a:prstGeom>
-        </p:spPr>
-        <p:style>
-          <a:lnRef idx="2">
-            <a:schemeClr val="dk1"/>
-          </a:lnRef>
-          <a:fillRef idx="1">
-            <a:schemeClr val="lt1"/>
-          </a:fillRef>
-          <a:effectRef idx="0">
-            <a:schemeClr val="dk1"/>
-          </a:effectRef>
-          <a:fontRef idx="minor">
-            <a:schemeClr val="dk1"/>
-          </a:fontRef>
-        </p:style>
-        <p:txBody>
-          <a:bodyPr rtlCol="0" anchor="ctr"/>
-          <a:lstStyle/>
-          <a:p>
-            <a:pPr algn="ctr"/>
-            <a:r>
-              <a:rPr lang="en-US" altLang="zh-CN" dirty="0"/>
-              <a:t>Hosts</a:t>
-            </a:r>
-            <a:r>
-              <a:rPr lang="zh-CN" altLang="en-US" dirty="0"/>
-              <a:t>文件</a:t>
             </a:r>
           </a:p>
         </p:txBody>
@@ -3733,9 +3674,13 @@
               <a:rPr lang="en-US" altLang="zh-CN" dirty="0" err="1"/>
               <a:t>Jmeter</a:t>
             </a:r>
+            <a:endParaRPr lang="en-US" altLang="zh-CN" dirty="0"/>
+          </a:p>
+          <a:p>
+            <a:pPr algn="ctr"/>
             <a:r>
               <a:rPr lang="zh-CN" altLang="en-US" dirty="0"/>
-              <a:t>进程</a:t>
+              <a:t>调度进程</a:t>
             </a:r>
           </a:p>
         </p:txBody>
@@ -3783,7 +3728,7 @@
             <a:pPr algn="ctr"/>
             <a:r>
               <a:rPr lang="zh-CN" altLang="en-US" dirty="0"/>
-              <a:t>主节点</a:t>
+              <a:t>主机节点</a:t>
             </a:r>
             <a:r>
               <a:rPr lang="en-US" altLang="zh-CN" dirty="0"/>
@@ -3839,30 +3784,919 @@
             <a:pPr algn="ctr"/>
             <a:r>
               <a:rPr lang="zh-CN" altLang="en-US" dirty="0"/>
-              <a:t>主节点程序</a:t>
-            </a:r>
-          </a:p>
-        </p:txBody>
-      </p:sp>
+              <a:t>主机节点程序</a:t>
+            </a:r>
+          </a:p>
+        </p:txBody>
+      </p:sp>
+      <p:sp>
+        <p:nvSpPr>
+          <p:cNvPr id="22" name="箭头: 左右 21">
+            <a:extLst>
+              <a:ext uri="{FF2B5EF4-FFF2-40B4-BE49-F238E27FC236}">
+                <a16:creationId xmlns:a16="http://schemas.microsoft.com/office/drawing/2014/main" id="{A6EF9615-2946-4616-B0C0-32F2D90EA9FA}"/>
+              </a:ext>
+            </a:extLst>
+          </p:cNvPr>
+          <p:cNvSpPr/>
+          <p:nvPr/>
+        </p:nvSpPr>
+        <p:spPr>
+          <a:xfrm>
+            <a:off x="637378" y="2766219"/>
+            <a:ext cx="3101502" cy="1325561"/>
+          </a:xfrm>
+          <a:prstGeom prst="leftRightArrow">
+            <a:avLst/>
+          </a:prstGeom>
+        </p:spPr>
+        <p:style>
+          <a:lnRef idx="2">
+            <a:schemeClr val="dk1"/>
+          </a:lnRef>
+          <a:fillRef idx="1">
+            <a:schemeClr val="lt1"/>
+          </a:fillRef>
+          <a:effectRef idx="0">
+            <a:schemeClr val="dk1"/>
+          </a:effectRef>
+          <a:fontRef idx="minor">
+            <a:schemeClr val="dk1"/>
+          </a:fontRef>
+        </p:style>
+        <p:txBody>
+          <a:bodyPr rtlCol="0" anchor="ctr"/>
+          <a:lstStyle/>
+          <a:p>
+            <a:pPr algn="ctr"/>
+            <a:r>
+              <a:rPr lang="zh-CN" altLang="en-US" dirty="0"/>
+              <a:t>处理测试请求</a:t>
+            </a:r>
+          </a:p>
+        </p:txBody>
+      </p:sp>
+      <p:grpSp>
+        <p:nvGrpSpPr>
+          <p:cNvPr id="49" name="组合 48">
+            <a:extLst>
+              <a:ext uri="{FF2B5EF4-FFF2-40B4-BE49-F238E27FC236}">
+                <a16:creationId xmlns:a16="http://schemas.microsoft.com/office/drawing/2014/main" id="{A17B7247-FB84-4933-B831-5A221DEDA572}"/>
+              </a:ext>
+            </a:extLst>
+          </p:cNvPr>
+          <p:cNvGrpSpPr/>
+          <p:nvPr/>
+        </p:nvGrpSpPr>
+        <p:grpSpPr>
+          <a:xfrm>
+            <a:off x="8457714" y="2766219"/>
+            <a:ext cx="3417263" cy="3952215"/>
+            <a:chOff x="8457714" y="2766219"/>
+            <a:chExt cx="3417263" cy="3952215"/>
+          </a:xfrm>
+        </p:grpSpPr>
+        <p:sp>
+          <p:nvSpPr>
+            <p:cNvPr id="44" name="矩形: 圆角 43">
+              <a:extLst>
+                <a:ext uri="{FF2B5EF4-FFF2-40B4-BE49-F238E27FC236}">
+                  <a16:creationId xmlns:a16="http://schemas.microsoft.com/office/drawing/2014/main" id="{358B4887-DA70-4CDD-9921-962057E8EF68}"/>
+                </a:ext>
+              </a:extLst>
+            </p:cNvPr>
+            <p:cNvSpPr/>
+            <p:nvPr/>
+          </p:nvSpPr>
+          <p:spPr>
+            <a:xfrm>
+              <a:off x="9931764" y="4072878"/>
+              <a:ext cx="1943213" cy="2645556"/>
+            </a:xfrm>
+            <a:prstGeom prst="roundRect">
+              <a:avLst/>
+            </a:prstGeom>
+            <a:solidFill>
+              <a:schemeClr val="bg1"/>
+            </a:solidFill>
+          </p:spPr>
+          <p:style>
+            <a:lnRef idx="2">
+              <a:schemeClr val="dk1"/>
+            </a:lnRef>
+            <a:fillRef idx="1">
+              <a:schemeClr val="lt1"/>
+            </a:fillRef>
+            <a:effectRef idx="0">
+              <a:schemeClr val="dk1"/>
+            </a:effectRef>
+            <a:fontRef idx="minor">
+              <a:schemeClr val="dk1"/>
+            </a:fontRef>
+          </p:style>
+          <p:txBody>
+            <a:bodyPr rtlCol="0" anchor="b"/>
+            <a:lstStyle/>
+            <a:p>
+              <a:pPr algn="ctr"/>
+              <a:r>
+                <a:rPr lang="zh-CN" altLang="en-US" sz="1600" dirty="0"/>
+                <a:t>从机节点</a:t>
+              </a:r>
+              <a:endParaRPr lang="en-US" altLang="zh-CN" sz="1600" dirty="0"/>
+            </a:p>
+            <a:p>
+              <a:pPr algn="ctr"/>
+              <a:r>
+                <a:rPr lang="en-US" altLang="zh-CN" sz="1600" dirty="0"/>
+                <a:t>Docker</a:t>
+              </a:r>
+              <a:r>
+                <a:rPr lang="zh-CN" altLang="en-US" sz="1600" dirty="0"/>
+                <a:t>容器</a:t>
+              </a:r>
+            </a:p>
+          </p:txBody>
+        </p:sp>
+        <p:sp>
+          <p:nvSpPr>
+            <p:cNvPr id="45" name="矩形 44">
+              <a:extLst>
+                <a:ext uri="{FF2B5EF4-FFF2-40B4-BE49-F238E27FC236}">
+                  <a16:creationId xmlns:a16="http://schemas.microsoft.com/office/drawing/2014/main" id="{C9624E3C-CA7E-43CD-B2F3-F8529EA52283}"/>
+                </a:ext>
+              </a:extLst>
+            </p:cNvPr>
+            <p:cNvSpPr/>
+            <p:nvPr/>
+          </p:nvSpPr>
+          <p:spPr>
+            <a:xfrm>
+              <a:off x="10242850" y="5577917"/>
+              <a:ext cx="1320800" cy="503547"/>
+            </a:xfrm>
+            <a:prstGeom prst="rect">
+              <a:avLst/>
+            </a:prstGeom>
+            <a:solidFill>
+              <a:schemeClr val="bg1"/>
+            </a:solidFill>
+          </p:spPr>
+          <p:style>
+            <a:lnRef idx="2">
+              <a:schemeClr val="dk1"/>
+            </a:lnRef>
+            <a:fillRef idx="1">
+              <a:schemeClr val="lt1"/>
+            </a:fillRef>
+            <a:effectRef idx="0">
+              <a:schemeClr val="dk1"/>
+            </a:effectRef>
+            <a:fontRef idx="minor">
+              <a:schemeClr val="dk1"/>
+            </a:fontRef>
+          </p:style>
+          <p:txBody>
+            <a:bodyPr rtlCol="0" anchor="ctr"/>
+            <a:lstStyle/>
+            <a:p>
+              <a:pPr algn="ctr"/>
+              <a:r>
+                <a:rPr lang="en-US" altLang="zh-CN" sz="1600" dirty="0" err="1"/>
+                <a:t>Jmeter</a:t>
+              </a:r>
+              <a:endParaRPr lang="en-US" altLang="zh-CN" sz="1600" dirty="0"/>
+            </a:p>
+            <a:p>
+              <a:pPr algn="ctr"/>
+              <a:r>
+                <a:rPr lang="zh-CN" altLang="en-US" sz="1600" dirty="0"/>
+                <a:t>服务器进程</a:t>
+              </a:r>
+            </a:p>
+          </p:txBody>
+        </p:sp>
+        <p:grpSp>
+          <p:nvGrpSpPr>
+            <p:cNvPr id="43" name="组合 42">
+              <a:extLst>
+                <a:ext uri="{FF2B5EF4-FFF2-40B4-BE49-F238E27FC236}">
+                  <a16:creationId xmlns:a16="http://schemas.microsoft.com/office/drawing/2014/main" id="{1FA413E4-B1A1-4D6A-96FA-E7EC092AA486}"/>
+                </a:ext>
+              </a:extLst>
+            </p:cNvPr>
+            <p:cNvGrpSpPr/>
+            <p:nvPr/>
+          </p:nvGrpSpPr>
+          <p:grpSpPr>
+            <a:xfrm>
+              <a:off x="8457714" y="2766219"/>
+              <a:ext cx="2785627" cy="1473933"/>
+              <a:chOff x="9044827" y="3425027"/>
+              <a:chExt cx="2785627" cy="1473933"/>
+            </a:xfrm>
+          </p:grpSpPr>
+          <p:sp>
+            <p:nvSpPr>
+              <p:cNvPr id="42" name="箭头: 直角上 41">
+                <a:extLst>
+                  <a:ext uri="{FF2B5EF4-FFF2-40B4-BE49-F238E27FC236}">
+                    <a16:creationId xmlns:a16="http://schemas.microsoft.com/office/drawing/2014/main" id="{EB29873D-FED5-4473-B699-0FEC33B7CD15}"/>
+                  </a:ext>
+                </a:extLst>
+              </p:cNvPr>
+              <p:cNvSpPr/>
+              <p:nvPr/>
+            </p:nvSpPr>
+            <p:spPr>
+              <a:xfrm rot="16200000">
+                <a:off x="9703165" y="2771671"/>
+                <a:ext cx="1469959" cy="2784619"/>
+              </a:xfrm>
+              <a:custGeom>
+                <a:avLst/>
+                <a:gdLst>
+                  <a:gd name="connsiteX0" fmla="*/ 0 w 2643180"/>
+                  <a:gd name="connsiteY0" fmla="*/ 2123824 h 2784619"/>
+                  <a:gd name="connsiteX1" fmla="*/ 1651988 w 2643180"/>
+                  <a:gd name="connsiteY1" fmla="*/ 2123824 h 2784619"/>
+                  <a:gd name="connsiteX2" fmla="*/ 1651988 w 2643180"/>
+                  <a:gd name="connsiteY2" fmla="*/ 660795 h 2784619"/>
+                  <a:gd name="connsiteX3" fmla="*/ 1321590 w 2643180"/>
+                  <a:gd name="connsiteY3" fmla="*/ 660795 h 2784619"/>
+                  <a:gd name="connsiteX4" fmla="*/ 1982385 w 2643180"/>
+                  <a:gd name="connsiteY4" fmla="*/ 0 h 2784619"/>
+                  <a:gd name="connsiteX5" fmla="*/ 2643180 w 2643180"/>
+                  <a:gd name="connsiteY5" fmla="*/ 660795 h 2784619"/>
+                  <a:gd name="connsiteX6" fmla="*/ 2312783 w 2643180"/>
+                  <a:gd name="connsiteY6" fmla="*/ 660795 h 2784619"/>
+                  <a:gd name="connsiteX7" fmla="*/ 2312783 w 2643180"/>
+                  <a:gd name="connsiteY7" fmla="*/ 2784619 h 2784619"/>
+                  <a:gd name="connsiteX8" fmla="*/ 0 w 2643180"/>
+                  <a:gd name="connsiteY8" fmla="*/ 2784619 h 2784619"/>
+                  <a:gd name="connsiteX9" fmla="*/ 0 w 2643180"/>
+                  <a:gd name="connsiteY9" fmla="*/ 2123824 h 2784619"/>
+                  <a:gd name="connsiteX0" fmla="*/ 856648 w 2643180"/>
+                  <a:gd name="connsiteY0" fmla="*/ 2133452 h 2784619"/>
+                  <a:gd name="connsiteX1" fmla="*/ 1651988 w 2643180"/>
+                  <a:gd name="connsiteY1" fmla="*/ 2123824 h 2784619"/>
+                  <a:gd name="connsiteX2" fmla="*/ 1651988 w 2643180"/>
+                  <a:gd name="connsiteY2" fmla="*/ 660795 h 2784619"/>
+                  <a:gd name="connsiteX3" fmla="*/ 1321590 w 2643180"/>
+                  <a:gd name="connsiteY3" fmla="*/ 660795 h 2784619"/>
+                  <a:gd name="connsiteX4" fmla="*/ 1982385 w 2643180"/>
+                  <a:gd name="connsiteY4" fmla="*/ 0 h 2784619"/>
+                  <a:gd name="connsiteX5" fmla="*/ 2643180 w 2643180"/>
+                  <a:gd name="connsiteY5" fmla="*/ 660795 h 2784619"/>
+                  <a:gd name="connsiteX6" fmla="*/ 2312783 w 2643180"/>
+                  <a:gd name="connsiteY6" fmla="*/ 660795 h 2784619"/>
+                  <a:gd name="connsiteX7" fmla="*/ 2312783 w 2643180"/>
+                  <a:gd name="connsiteY7" fmla="*/ 2784619 h 2784619"/>
+                  <a:gd name="connsiteX8" fmla="*/ 0 w 2643180"/>
+                  <a:gd name="connsiteY8" fmla="*/ 2784619 h 2784619"/>
+                  <a:gd name="connsiteX9" fmla="*/ 856648 w 2643180"/>
+                  <a:gd name="connsiteY9" fmla="*/ 2133452 h 2784619"/>
+                  <a:gd name="connsiteX0" fmla="*/ 0 w 1786532"/>
+                  <a:gd name="connsiteY0" fmla="*/ 2133452 h 2794247"/>
+                  <a:gd name="connsiteX1" fmla="*/ 795340 w 1786532"/>
+                  <a:gd name="connsiteY1" fmla="*/ 2123824 h 2794247"/>
+                  <a:gd name="connsiteX2" fmla="*/ 795340 w 1786532"/>
+                  <a:gd name="connsiteY2" fmla="*/ 660795 h 2794247"/>
+                  <a:gd name="connsiteX3" fmla="*/ 464942 w 1786532"/>
+                  <a:gd name="connsiteY3" fmla="*/ 660795 h 2794247"/>
+                  <a:gd name="connsiteX4" fmla="*/ 1125737 w 1786532"/>
+                  <a:gd name="connsiteY4" fmla="*/ 0 h 2794247"/>
+                  <a:gd name="connsiteX5" fmla="*/ 1786532 w 1786532"/>
+                  <a:gd name="connsiteY5" fmla="*/ 660795 h 2794247"/>
+                  <a:gd name="connsiteX6" fmla="*/ 1456135 w 1786532"/>
+                  <a:gd name="connsiteY6" fmla="*/ 660795 h 2794247"/>
+                  <a:gd name="connsiteX7" fmla="*/ 1456135 w 1786532"/>
+                  <a:gd name="connsiteY7" fmla="*/ 2784619 h 2794247"/>
+                  <a:gd name="connsiteX8" fmla="*/ 327259 w 1786532"/>
+                  <a:gd name="connsiteY8" fmla="*/ 2794247 h 2794247"/>
+                  <a:gd name="connsiteX9" fmla="*/ 0 w 1786532"/>
+                  <a:gd name="connsiteY9" fmla="*/ 2133452 h 2794247"/>
+                  <a:gd name="connsiteX0" fmla="*/ 0 w 1468898"/>
+                  <a:gd name="connsiteY0" fmla="*/ 2123830 h 2794247"/>
+                  <a:gd name="connsiteX1" fmla="*/ 477706 w 1468898"/>
+                  <a:gd name="connsiteY1" fmla="*/ 2123824 h 2794247"/>
+                  <a:gd name="connsiteX2" fmla="*/ 477706 w 1468898"/>
+                  <a:gd name="connsiteY2" fmla="*/ 660795 h 2794247"/>
+                  <a:gd name="connsiteX3" fmla="*/ 147308 w 1468898"/>
+                  <a:gd name="connsiteY3" fmla="*/ 660795 h 2794247"/>
+                  <a:gd name="connsiteX4" fmla="*/ 808103 w 1468898"/>
+                  <a:gd name="connsiteY4" fmla="*/ 0 h 2794247"/>
+                  <a:gd name="connsiteX5" fmla="*/ 1468898 w 1468898"/>
+                  <a:gd name="connsiteY5" fmla="*/ 660795 h 2794247"/>
+                  <a:gd name="connsiteX6" fmla="*/ 1138501 w 1468898"/>
+                  <a:gd name="connsiteY6" fmla="*/ 660795 h 2794247"/>
+                  <a:gd name="connsiteX7" fmla="*/ 1138501 w 1468898"/>
+                  <a:gd name="connsiteY7" fmla="*/ 2784619 h 2794247"/>
+                  <a:gd name="connsiteX8" fmla="*/ 9625 w 1468898"/>
+                  <a:gd name="connsiteY8" fmla="*/ 2794247 h 2794247"/>
+                  <a:gd name="connsiteX9" fmla="*/ 0 w 1468898"/>
+                  <a:gd name="connsiteY9" fmla="*/ 2123830 h 2794247"/>
+                  <a:gd name="connsiteX0" fmla="*/ 0 w 1468898"/>
+                  <a:gd name="connsiteY0" fmla="*/ 2123830 h 2791075"/>
+                  <a:gd name="connsiteX1" fmla="*/ 477706 w 1468898"/>
+                  <a:gd name="connsiteY1" fmla="*/ 2123824 h 2791075"/>
+                  <a:gd name="connsiteX2" fmla="*/ 477706 w 1468898"/>
+                  <a:gd name="connsiteY2" fmla="*/ 660795 h 2791075"/>
+                  <a:gd name="connsiteX3" fmla="*/ 147308 w 1468898"/>
+                  <a:gd name="connsiteY3" fmla="*/ 660795 h 2791075"/>
+                  <a:gd name="connsiteX4" fmla="*/ 808103 w 1468898"/>
+                  <a:gd name="connsiteY4" fmla="*/ 0 h 2791075"/>
+                  <a:gd name="connsiteX5" fmla="*/ 1468898 w 1468898"/>
+                  <a:gd name="connsiteY5" fmla="*/ 660795 h 2791075"/>
+                  <a:gd name="connsiteX6" fmla="*/ 1138501 w 1468898"/>
+                  <a:gd name="connsiteY6" fmla="*/ 660795 h 2791075"/>
+                  <a:gd name="connsiteX7" fmla="*/ 1138501 w 1468898"/>
+                  <a:gd name="connsiteY7" fmla="*/ 2784619 h 2791075"/>
+                  <a:gd name="connsiteX8" fmla="*/ 6453 w 1468898"/>
+                  <a:gd name="connsiteY8" fmla="*/ 2791075 h 2791075"/>
+                  <a:gd name="connsiteX9" fmla="*/ 0 w 1468898"/>
+                  <a:gd name="connsiteY9" fmla="*/ 2123830 h 2791075"/>
+                  <a:gd name="connsiteX0" fmla="*/ 0 w 1468898"/>
+                  <a:gd name="connsiteY0" fmla="*/ 2123830 h 2794253"/>
+                  <a:gd name="connsiteX1" fmla="*/ 477706 w 1468898"/>
+                  <a:gd name="connsiteY1" fmla="*/ 2123824 h 2794253"/>
+                  <a:gd name="connsiteX2" fmla="*/ 477706 w 1468898"/>
+                  <a:gd name="connsiteY2" fmla="*/ 660795 h 2794253"/>
+                  <a:gd name="connsiteX3" fmla="*/ 147308 w 1468898"/>
+                  <a:gd name="connsiteY3" fmla="*/ 660795 h 2794253"/>
+                  <a:gd name="connsiteX4" fmla="*/ 808103 w 1468898"/>
+                  <a:gd name="connsiteY4" fmla="*/ 0 h 2794253"/>
+                  <a:gd name="connsiteX5" fmla="*/ 1468898 w 1468898"/>
+                  <a:gd name="connsiteY5" fmla="*/ 660795 h 2794253"/>
+                  <a:gd name="connsiteX6" fmla="*/ 1138501 w 1468898"/>
+                  <a:gd name="connsiteY6" fmla="*/ 660795 h 2794253"/>
+                  <a:gd name="connsiteX7" fmla="*/ 1138501 w 1468898"/>
+                  <a:gd name="connsiteY7" fmla="*/ 2784619 h 2794253"/>
+                  <a:gd name="connsiteX8" fmla="*/ 6456 w 1468898"/>
+                  <a:gd name="connsiteY8" fmla="*/ 2794253 h 2794253"/>
+                  <a:gd name="connsiteX9" fmla="*/ 0 w 1468898"/>
+                  <a:gd name="connsiteY9" fmla="*/ 2123830 h 2794253"/>
+                  <a:gd name="connsiteX0" fmla="*/ 0 w 1465723"/>
+                  <a:gd name="connsiteY0" fmla="*/ 2120658 h 2794253"/>
+                  <a:gd name="connsiteX1" fmla="*/ 474531 w 1465723"/>
+                  <a:gd name="connsiteY1" fmla="*/ 2123824 h 2794253"/>
+                  <a:gd name="connsiteX2" fmla="*/ 474531 w 1465723"/>
+                  <a:gd name="connsiteY2" fmla="*/ 660795 h 2794253"/>
+                  <a:gd name="connsiteX3" fmla="*/ 144133 w 1465723"/>
+                  <a:gd name="connsiteY3" fmla="*/ 660795 h 2794253"/>
+                  <a:gd name="connsiteX4" fmla="*/ 804928 w 1465723"/>
+                  <a:gd name="connsiteY4" fmla="*/ 0 h 2794253"/>
+                  <a:gd name="connsiteX5" fmla="*/ 1465723 w 1465723"/>
+                  <a:gd name="connsiteY5" fmla="*/ 660795 h 2794253"/>
+                  <a:gd name="connsiteX6" fmla="*/ 1135326 w 1465723"/>
+                  <a:gd name="connsiteY6" fmla="*/ 660795 h 2794253"/>
+                  <a:gd name="connsiteX7" fmla="*/ 1135326 w 1465723"/>
+                  <a:gd name="connsiteY7" fmla="*/ 2784619 h 2794253"/>
+                  <a:gd name="connsiteX8" fmla="*/ 3281 w 1465723"/>
+                  <a:gd name="connsiteY8" fmla="*/ 2794253 h 2794253"/>
+                  <a:gd name="connsiteX9" fmla="*/ 0 w 1465723"/>
+                  <a:gd name="connsiteY9" fmla="*/ 2120658 h 2794253"/>
+                  <a:gd name="connsiteX0" fmla="*/ 0 w 1465723"/>
+                  <a:gd name="connsiteY0" fmla="*/ 2127008 h 2794253"/>
+                  <a:gd name="connsiteX1" fmla="*/ 474531 w 1465723"/>
+                  <a:gd name="connsiteY1" fmla="*/ 2123824 h 2794253"/>
+                  <a:gd name="connsiteX2" fmla="*/ 474531 w 1465723"/>
+                  <a:gd name="connsiteY2" fmla="*/ 660795 h 2794253"/>
+                  <a:gd name="connsiteX3" fmla="*/ 144133 w 1465723"/>
+                  <a:gd name="connsiteY3" fmla="*/ 660795 h 2794253"/>
+                  <a:gd name="connsiteX4" fmla="*/ 804928 w 1465723"/>
+                  <a:gd name="connsiteY4" fmla="*/ 0 h 2794253"/>
+                  <a:gd name="connsiteX5" fmla="*/ 1465723 w 1465723"/>
+                  <a:gd name="connsiteY5" fmla="*/ 660795 h 2794253"/>
+                  <a:gd name="connsiteX6" fmla="*/ 1135326 w 1465723"/>
+                  <a:gd name="connsiteY6" fmla="*/ 660795 h 2794253"/>
+                  <a:gd name="connsiteX7" fmla="*/ 1135326 w 1465723"/>
+                  <a:gd name="connsiteY7" fmla="*/ 2784619 h 2794253"/>
+                  <a:gd name="connsiteX8" fmla="*/ 3281 w 1465723"/>
+                  <a:gd name="connsiteY8" fmla="*/ 2794253 h 2794253"/>
+                  <a:gd name="connsiteX9" fmla="*/ 0 w 1465723"/>
+                  <a:gd name="connsiteY9" fmla="*/ 2127008 h 2794253"/>
+                  <a:gd name="connsiteX0" fmla="*/ 0 w 1465723"/>
+                  <a:gd name="connsiteY0" fmla="*/ 2133358 h 2794253"/>
+                  <a:gd name="connsiteX1" fmla="*/ 474531 w 1465723"/>
+                  <a:gd name="connsiteY1" fmla="*/ 2123824 h 2794253"/>
+                  <a:gd name="connsiteX2" fmla="*/ 474531 w 1465723"/>
+                  <a:gd name="connsiteY2" fmla="*/ 660795 h 2794253"/>
+                  <a:gd name="connsiteX3" fmla="*/ 144133 w 1465723"/>
+                  <a:gd name="connsiteY3" fmla="*/ 660795 h 2794253"/>
+                  <a:gd name="connsiteX4" fmla="*/ 804928 w 1465723"/>
+                  <a:gd name="connsiteY4" fmla="*/ 0 h 2794253"/>
+                  <a:gd name="connsiteX5" fmla="*/ 1465723 w 1465723"/>
+                  <a:gd name="connsiteY5" fmla="*/ 660795 h 2794253"/>
+                  <a:gd name="connsiteX6" fmla="*/ 1135326 w 1465723"/>
+                  <a:gd name="connsiteY6" fmla="*/ 660795 h 2794253"/>
+                  <a:gd name="connsiteX7" fmla="*/ 1135326 w 1465723"/>
+                  <a:gd name="connsiteY7" fmla="*/ 2784619 h 2794253"/>
+                  <a:gd name="connsiteX8" fmla="*/ 3281 w 1465723"/>
+                  <a:gd name="connsiteY8" fmla="*/ 2794253 h 2794253"/>
+                  <a:gd name="connsiteX9" fmla="*/ 0 w 1465723"/>
+                  <a:gd name="connsiteY9" fmla="*/ 2133358 h 2794253"/>
+                  <a:gd name="connsiteX0" fmla="*/ 0 w 1467840"/>
+                  <a:gd name="connsiteY0" fmla="*/ 2131241 h 2794253"/>
+                  <a:gd name="connsiteX1" fmla="*/ 476648 w 1467840"/>
+                  <a:gd name="connsiteY1" fmla="*/ 2123824 h 2794253"/>
+                  <a:gd name="connsiteX2" fmla="*/ 476648 w 1467840"/>
+                  <a:gd name="connsiteY2" fmla="*/ 660795 h 2794253"/>
+                  <a:gd name="connsiteX3" fmla="*/ 146250 w 1467840"/>
+                  <a:gd name="connsiteY3" fmla="*/ 660795 h 2794253"/>
+                  <a:gd name="connsiteX4" fmla="*/ 807045 w 1467840"/>
+                  <a:gd name="connsiteY4" fmla="*/ 0 h 2794253"/>
+                  <a:gd name="connsiteX5" fmla="*/ 1467840 w 1467840"/>
+                  <a:gd name="connsiteY5" fmla="*/ 660795 h 2794253"/>
+                  <a:gd name="connsiteX6" fmla="*/ 1137443 w 1467840"/>
+                  <a:gd name="connsiteY6" fmla="*/ 660795 h 2794253"/>
+                  <a:gd name="connsiteX7" fmla="*/ 1137443 w 1467840"/>
+                  <a:gd name="connsiteY7" fmla="*/ 2784619 h 2794253"/>
+                  <a:gd name="connsiteX8" fmla="*/ 5398 w 1467840"/>
+                  <a:gd name="connsiteY8" fmla="*/ 2794253 h 2794253"/>
+                  <a:gd name="connsiteX9" fmla="*/ 0 w 1467840"/>
+                  <a:gd name="connsiteY9" fmla="*/ 2131241 h 2794253"/>
+                  <a:gd name="connsiteX0" fmla="*/ 0 w 1467841"/>
+                  <a:gd name="connsiteY0" fmla="*/ 2127011 h 2794253"/>
+                  <a:gd name="connsiteX1" fmla="*/ 476649 w 1467841"/>
+                  <a:gd name="connsiteY1" fmla="*/ 2123824 h 2794253"/>
+                  <a:gd name="connsiteX2" fmla="*/ 476649 w 1467841"/>
+                  <a:gd name="connsiteY2" fmla="*/ 660795 h 2794253"/>
+                  <a:gd name="connsiteX3" fmla="*/ 146251 w 1467841"/>
+                  <a:gd name="connsiteY3" fmla="*/ 660795 h 2794253"/>
+                  <a:gd name="connsiteX4" fmla="*/ 807046 w 1467841"/>
+                  <a:gd name="connsiteY4" fmla="*/ 0 h 2794253"/>
+                  <a:gd name="connsiteX5" fmla="*/ 1467841 w 1467841"/>
+                  <a:gd name="connsiteY5" fmla="*/ 660795 h 2794253"/>
+                  <a:gd name="connsiteX6" fmla="*/ 1137444 w 1467841"/>
+                  <a:gd name="connsiteY6" fmla="*/ 660795 h 2794253"/>
+                  <a:gd name="connsiteX7" fmla="*/ 1137444 w 1467841"/>
+                  <a:gd name="connsiteY7" fmla="*/ 2784619 h 2794253"/>
+                  <a:gd name="connsiteX8" fmla="*/ 5399 w 1467841"/>
+                  <a:gd name="connsiteY8" fmla="*/ 2794253 h 2794253"/>
+                  <a:gd name="connsiteX9" fmla="*/ 0 w 1467841"/>
+                  <a:gd name="connsiteY9" fmla="*/ 2127011 h 2794253"/>
+                  <a:gd name="connsiteX0" fmla="*/ 0 w 1469958"/>
+                  <a:gd name="connsiteY0" fmla="*/ 2131244 h 2794253"/>
+                  <a:gd name="connsiteX1" fmla="*/ 478766 w 1469958"/>
+                  <a:gd name="connsiteY1" fmla="*/ 2123824 h 2794253"/>
+                  <a:gd name="connsiteX2" fmla="*/ 478766 w 1469958"/>
+                  <a:gd name="connsiteY2" fmla="*/ 660795 h 2794253"/>
+                  <a:gd name="connsiteX3" fmla="*/ 148368 w 1469958"/>
+                  <a:gd name="connsiteY3" fmla="*/ 660795 h 2794253"/>
+                  <a:gd name="connsiteX4" fmla="*/ 809163 w 1469958"/>
+                  <a:gd name="connsiteY4" fmla="*/ 0 h 2794253"/>
+                  <a:gd name="connsiteX5" fmla="*/ 1469958 w 1469958"/>
+                  <a:gd name="connsiteY5" fmla="*/ 660795 h 2794253"/>
+                  <a:gd name="connsiteX6" fmla="*/ 1139561 w 1469958"/>
+                  <a:gd name="connsiteY6" fmla="*/ 660795 h 2794253"/>
+                  <a:gd name="connsiteX7" fmla="*/ 1139561 w 1469958"/>
+                  <a:gd name="connsiteY7" fmla="*/ 2784619 h 2794253"/>
+                  <a:gd name="connsiteX8" fmla="*/ 7516 w 1469958"/>
+                  <a:gd name="connsiteY8" fmla="*/ 2794253 h 2794253"/>
+                  <a:gd name="connsiteX9" fmla="*/ 0 w 1469958"/>
+                  <a:gd name="connsiteY9" fmla="*/ 2131244 h 2794253"/>
+                  <a:gd name="connsiteX0" fmla="*/ 0 w 1469959"/>
+                  <a:gd name="connsiteY0" fmla="*/ 2127014 h 2794253"/>
+                  <a:gd name="connsiteX1" fmla="*/ 478767 w 1469959"/>
+                  <a:gd name="connsiteY1" fmla="*/ 2123824 h 2794253"/>
+                  <a:gd name="connsiteX2" fmla="*/ 478767 w 1469959"/>
+                  <a:gd name="connsiteY2" fmla="*/ 660795 h 2794253"/>
+                  <a:gd name="connsiteX3" fmla="*/ 148369 w 1469959"/>
+                  <a:gd name="connsiteY3" fmla="*/ 660795 h 2794253"/>
+                  <a:gd name="connsiteX4" fmla="*/ 809164 w 1469959"/>
+                  <a:gd name="connsiteY4" fmla="*/ 0 h 2794253"/>
+                  <a:gd name="connsiteX5" fmla="*/ 1469959 w 1469959"/>
+                  <a:gd name="connsiteY5" fmla="*/ 660795 h 2794253"/>
+                  <a:gd name="connsiteX6" fmla="*/ 1139562 w 1469959"/>
+                  <a:gd name="connsiteY6" fmla="*/ 660795 h 2794253"/>
+                  <a:gd name="connsiteX7" fmla="*/ 1139562 w 1469959"/>
+                  <a:gd name="connsiteY7" fmla="*/ 2784619 h 2794253"/>
+                  <a:gd name="connsiteX8" fmla="*/ 7517 w 1469959"/>
+                  <a:gd name="connsiteY8" fmla="*/ 2794253 h 2794253"/>
+                  <a:gd name="connsiteX9" fmla="*/ 0 w 1469959"/>
+                  <a:gd name="connsiteY9" fmla="*/ 2127014 h 2794253"/>
+                  <a:gd name="connsiteX0" fmla="*/ 0 w 1469959"/>
+                  <a:gd name="connsiteY0" fmla="*/ 2124897 h 2794253"/>
+                  <a:gd name="connsiteX1" fmla="*/ 478767 w 1469959"/>
+                  <a:gd name="connsiteY1" fmla="*/ 2123824 h 2794253"/>
+                  <a:gd name="connsiteX2" fmla="*/ 478767 w 1469959"/>
+                  <a:gd name="connsiteY2" fmla="*/ 660795 h 2794253"/>
+                  <a:gd name="connsiteX3" fmla="*/ 148369 w 1469959"/>
+                  <a:gd name="connsiteY3" fmla="*/ 660795 h 2794253"/>
+                  <a:gd name="connsiteX4" fmla="*/ 809164 w 1469959"/>
+                  <a:gd name="connsiteY4" fmla="*/ 0 h 2794253"/>
+                  <a:gd name="connsiteX5" fmla="*/ 1469959 w 1469959"/>
+                  <a:gd name="connsiteY5" fmla="*/ 660795 h 2794253"/>
+                  <a:gd name="connsiteX6" fmla="*/ 1139562 w 1469959"/>
+                  <a:gd name="connsiteY6" fmla="*/ 660795 h 2794253"/>
+                  <a:gd name="connsiteX7" fmla="*/ 1139562 w 1469959"/>
+                  <a:gd name="connsiteY7" fmla="*/ 2784619 h 2794253"/>
+                  <a:gd name="connsiteX8" fmla="*/ 7517 w 1469959"/>
+                  <a:gd name="connsiteY8" fmla="*/ 2794253 h 2794253"/>
+                  <a:gd name="connsiteX9" fmla="*/ 0 w 1469959"/>
+                  <a:gd name="connsiteY9" fmla="*/ 2124897 h 2794253"/>
+                  <a:gd name="connsiteX0" fmla="*/ 3216 w 1473175"/>
+                  <a:gd name="connsiteY0" fmla="*/ 2124897 h 2796370"/>
+                  <a:gd name="connsiteX1" fmla="*/ 481983 w 1473175"/>
+                  <a:gd name="connsiteY1" fmla="*/ 2123824 h 2796370"/>
+                  <a:gd name="connsiteX2" fmla="*/ 481983 w 1473175"/>
+                  <a:gd name="connsiteY2" fmla="*/ 660795 h 2796370"/>
+                  <a:gd name="connsiteX3" fmla="*/ 151585 w 1473175"/>
+                  <a:gd name="connsiteY3" fmla="*/ 660795 h 2796370"/>
+                  <a:gd name="connsiteX4" fmla="*/ 812380 w 1473175"/>
+                  <a:gd name="connsiteY4" fmla="*/ 0 h 2796370"/>
+                  <a:gd name="connsiteX5" fmla="*/ 1473175 w 1473175"/>
+                  <a:gd name="connsiteY5" fmla="*/ 660795 h 2796370"/>
+                  <a:gd name="connsiteX6" fmla="*/ 1142778 w 1473175"/>
+                  <a:gd name="connsiteY6" fmla="*/ 660795 h 2796370"/>
+                  <a:gd name="connsiteX7" fmla="*/ 1142778 w 1473175"/>
+                  <a:gd name="connsiteY7" fmla="*/ 2784619 h 2796370"/>
+                  <a:gd name="connsiteX8" fmla="*/ 150 w 1473175"/>
+                  <a:gd name="connsiteY8" fmla="*/ 2796370 h 2796370"/>
+                  <a:gd name="connsiteX9" fmla="*/ 3216 w 1473175"/>
+                  <a:gd name="connsiteY9" fmla="*/ 2124897 h 2796370"/>
+                  <a:gd name="connsiteX0" fmla="*/ 0 w 1469959"/>
+                  <a:gd name="connsiteY0" fmla="*/ 2124897 h 2796373"/>
+                  <a:gd name="connsiteX1" fmla="*/ 478767 w 1469959"/>
+                  <a:gd name="connsiteY1" fmla="*/ 2123824 h 2796373"/>
+                  <a:gd name="connsiteX2" fmla="*/ 478767 w 1469959"/>
+                  <a:gd name="connsiteY2" fmla="*/ 660795 h 2796373"/>
+                  <a:gd name="connsiteX3" fmla="*/ 148369 w 1469959"/>
+                  <a:gd name="connsiteY3" fmla="*/ 660795 h 2796373"/>
+                  <a:gd name="connsiteX4" fmla="*/ 809164 w 1469959"/>
+                  <a:gd name="connsiteY4" fmla="*/ 0 h 2796373"/>
+                  <a:gd name="connsiteX5" fmla="*/ 1469959 w 1469959"/>
+                  <a:gd name="connsiteY5" fmla="*/ 660795 h 2796373"/>
+                  <a:gd name="connsiteX6" fmla="*/ 1139562 w 1469959"/>
+                  <a:gd name="connsiteY6" fmla="*/ 660795 h 2796373"/>
+                  <a:gd name="connsiteX7" fmla="*/ 1139562 w 1469959"/>
+                  <a:gd name="connsiteY7" fmla="*/ 2784619 h 2796373"/>
+                  <a:gd name="connsiteX8" fmla="*/ 1170 w 1469959"/>
+                  <a:gd name="connsiteY8" fmla="*/ 2796373 h 2796373"/>
+                  <a:gd name="connsiteX9" fmla="*/ 0 w 1469959"/>
+                  <a:gd name="connsiteY9" fmla="*/ 2124897 h 2796373"/>
+                  <a:gd name="connsiteX0" fmla="*/ 1182 w 1471141"/>
+                  <a:gd name="connsiteY0" fmla="*/ 2124897 h 2796373"/>
+                  <a:gd name="connsiteX1" fmla="*/ 479949 w 1471141"/>
+                  <a:gd name="connsiteY1" fmla="*/ 2123824 h 2796373"/>
+                  <a:gd name="connsiteX2" fmla="*/ 479949 w 1471141"/>
+                  <a:gd name="connsiteY2" fmla="*/ 660795 h 2796373"/>
+                  <a:gd name="connsiteX3" fmla="*/ 149551 w 1471141"/>
+                  <a:gd name="connsiteY3" fmla="*/ 660795 h 2796373"/>
+                  <a:gd name="connsiteX4" fmla="*/ 810346 w 1471141"/>
+                  <a:gd name="connsiteY4" fmla="*/ 0 h 2796373"/>
+                  <a:gd name="connsiteX5" fmla="*/ 1471141 w 1471141"/>
+                  <a:gd name="connsiteY5" fmla="*/ 660795 h 2796373"/>
+                  <a:gd name="connsiteX6" fmla="*/ 1140744 w 1471141"/>
+                  <a:gd name="connsiteY6" fmla="*/ 660795 h 2796373"/>
+                  <a:gd name="connsiteX7" fmla="*/ 1140744 w 1471141"/>
+                  <a:gd name="connsiteY7" fmla="*/ 2784619 h 2796373"/>
+                  <a:gd name="connsiteX8" fmla="*/ 235 w 1471141"/>
+                  <a:gd name="connsiteY8" fmla="*/ 2796373 h 2796373"/>
+                  <a:gd name="connsiteX9" fmla="*/ 1182 w 1471141"/>
+                  <a:gd name="connsiteY9" fmla="*/ 2124897 h 2796373"/>
+                  <a:gd name="connsiteX0" fmla="*/ 0 w 1469959"/>
+                  <a:gd name="connsiteY0" fmla="*/ 2124897 h 2794256"/>
+                  <a:gd name="connsiteX1" fmla="*/ 478767 w 1469959"/>
+                  <a:gd name="connsiteY1" fmla="*/ 2123824 h 2794256"/>
+                  <a:gd name="connsiteX2" fmla="*/ 478767 w 1469959"/>
+                  <a:gd name="connsiteY2" fmla="*/ 660795 h 2794256"/>
+                  <a:gd name="connsiteX3" fmla="*/ 148369 w 1469959"/>
+                  <a:gd name="connsiteY3" fmla="*/ 660795 h 2794256"/>
+                  <a:gd name="connsiteX4" fmla="*/ 809164 w 1469959"/>
+                  <a:gd name="connsiteY4" fmla="*/ 0 h 2794256"/>
+                  <a:gd name="connsiteX5" fmla="*/ 1469959 w 1469959"/>
+                  <a:gd name="connsiteY5" fmla="*/ 660795 h 2794256"/>
+                  <a:gd name="connsiteX6" fmla="*/ 1139562 w 1469959"/>
+                  <a:gd name="connsiteY6" fmla="*/ 660795 h 2794256"/>
+                  <a:gd name="connsiteX7" fmla="*/ 1139562 w 1469959"/>
+                  <a:gd name="connsiteY7" fmla="*/ 2784619 h 2794256"/>
+                  <a:gd name="connsiteX8" fmla="*/ 1170 w 1469959"/>
+                  <a:gd name="connsiteY8" fmla="*/ 2794256 h 2794256"/>
+                  <a:gd name="connsiteX9" fmla="*/ 0 w 1469959"/>
+                  <a:gd name="connsiteY9" fmla="*/ 2124897 h 2794256"/>
+                  <a:gd name="connsiteX0" fmla="*/ 0 w 1469959"/>
+                  <a:gd name="connsiteY0" fmla="*/ 2124897 h 2792142"/>
+                  <a:gd name="connsiteX1" fmla="*/ 478767 w 1469959"/>
+                  <a:gd name="connsiteY1" fmla="*/ 2123824 h 2792142"/>
+                  <a:gd name="connsiteX2" fmla="*/ 478767 w 1469959"/>
+                  <a:gd name="connsiteY2" fmla="*/ 660795 h 2792142"/>
+                  <a:gd name="connsiteX3" fmla="*/ 148369 w 1469959"/>
+                  <a:gd name="connsiteY3" fmla="*/ 660795 h 2792142"/>
+                  <a:gd name="connsiteX4" fmla="*/ 809164 w 1469959"/>
+                  <a:gd name="connsiteY4" fmla="*/ 0 h 2792142"/>
+                  <a:gd name="connsiteX5" fmla="*/ 1469959 w 1469959"/>
+                  <a:gd name="connsiteY5" fmla="*/ 660795 h 2792142"/>
+                  <a:gd name="connsiteX6" fmla="*/ 1139562 w 1469959"/>
+                  <a:gd name="connsiteY6" fmla="*/ 660795 h 2792142"/>
+                  <a:gd name="connsiteX7" fmla="*/ 1139562 w 1469959"/>
+                  <a:gd name="connsiteY7" fmla="*/ 2784619 h 2792142"/>
+                  <a:gd name="connsiteX8" fmla="*/ 1173 w 1469959"/>
+                  <a:gd name="connsiteY8" fmla="*/ 2792142 h 2792142"/>
+                  <a:gd name="connsiteX9" fmla="*/ 0 w 1469959"/>
+                  <a:gd name="connsiteY9" fmla="*/ 2124897 h 2792142"/>
+                  <a:gd name="connsiteX0" fmla="*/ 0 w 1469959"/>
+                  <a:gd name="connsiteY0" fmla="*/ 2124897 h 2790029"/>
+                  <a:gd name="connsiteX1" fmla="*/ 478767 w 1469959"/>
+                  <a:gd name="connsiteY1" fmla="*/ 2123824 h 2790029"/>
+                  <a:gd name="connsiteX2" fmla="*/ 478767 w 1469959"/>
+                  <a:gd name="connsiteY2" fmla="*/ 660795 h 2790029"/>
+                  <a:gd name="connsiteX3" fmla="*/ 148369 w 1469959"/>
+                  <a:gd name="connsiteY3" fmla="*/ 660795 h 2790029"/>
+                  <a:gd name="connsiteX4" fmla="*/ 809164 w 1469959"/>
+                  <a:gd name="connsiteY4" fmla="*/ 0 h 2790029"/>
+                  <a:gd name="connsiteX5" fmla="*/ 1469959 w 1469959"/>
+                  <a:gd name="connsiteY5" fmla="*/ 660795 h 2790029"/>
+                  <a:gd name="connsiteX6" fmla="*/ 1139562 w 1469959"/>
+                  <a:gd name="connsiteY6" fmla="*/ 660795 h 2790029"/>
+                  <a:gd name="connsiteX7" fmla="*/ 1139562 w 1469959"/>
+                  <a:gd name="connsiteY7" fmla="*/ 2784619 h 2790029"/>
+                  <a:gd name="connsiteX8" fmla="*/ 1176 w 1469959"/>
+                  <a:gd name="connsiteY8" fmla="*/ 2790029 h 2790029"/>
+                  <a:gd name="connsiteX9" fmla="*/ 0 w 1469959"/>
+                  <a:gd name="connsiteY9" fmla="*/ 2124897 h 2790029"/>
+                  <a:gd name="connsiteX0" fmla="*/ 0 w 1469959"/>
+                  <a:gd name="connsiteY0" fmla="*/ 2124897 h 2785795"/>
+                  <a:gd name="connsiteX1" fmla="*/ 478767 w 1469959"/>
+                  <a:gd name="connsiteY1" fmla="*/ 2123824 h 2785795"/>
+                  <a:gd name="connsiteX2" fmla="*/ 478767 w 1469959"/>
+                  <a:gd name="connsiteY2" fmla="*/ 660795 h 2785795"/>
+                  <a:gd name="connsiteX3" fmla="*/ 148369 w 1469959"/>
+                  <a:gd name="connsiteY3" fmla="*/ 660795 h 2785795"/>
+                  <a:gd name="connsiteX4" fmla="*/ 809164 w 1469959"/>
+                  <a:gd name="connsiteY4" fmla="*/ 0 h 2785795"/>
+                  <a:gd name="connsiteX5" fmla="*/ 1469959 w 1469959"/>
+                  <a:gd name="connsiteY5" fmla="*/ 660795 h 2785795"/>
+                  <a:gd name="connsiteX6" fmla="*/ 1139562 w 1469959"/>
+                  <a:gd name="connsiteY6" fmla="*/ 660795 h 2785795"/>
+                  <a:gd name="connsiteX7" fmla="*/ 1139562 w 1469959"/>
+                  <a:gd name="connsiteY7" fmla="*/ 2784619 h 2785795"/>
+                  <a:gd name="connsiteX8" fmla="*/ 1176 w 1469959"/>
+                  <a:gd name="connsiteY8" fmla="*/ 2785795 h 2785795"/>
+                  <a:gd name="connsiteX9" fmla="*/ 0 w 1469959"/>
+                  <a:gd name="connsiteY9" fmla="*/ 2124897 h 2785795"/>
+                  <a:gd name="connsiteX0" fmla="*/ 0 w 1469959"/>
+                  <a:gd name="connsiteY0" fmla="*/ 2124897 h 2784619"/>
+                  <a:gd name="connsiteX1" fmla="*/ 478767 w 1469959"/>
+                  <a:gd name="connsiteY1" fmla="*/ 2123824 h 2784619"/>
+                  <a:gd name="connsiteX2" fmla="*/ 478767 w 1469959"/>
+                  <a:gd name="connsiteY2" fmla="*/ 660795 h 2784619"/>
+                  <a:gd name="connsiteX3" fmla="*/ 148369 w 1469959"/>
+                  <a:gd name="connsiteY3" fmla="*/ 660795 h 2784619"/>
+                  <a:gd name="connsiteX4" fmla="*/ 809164 w 1469959"/>
+                  <a:gd name="connsiteY4" fmla="*/ 0 h 2784619"/>
+                  <a:gd name="connsiteX5" fmla="*/ 1469959 w 1469959"/>
+                  <a:gd name="connsiteY5" fmla="*/ 660795 h 2784619"/>
+                  <a:gd name="connsiteX6" fmla="*/ 1139562 w 1469959"/>
+                  <a:gd name="connsiteY6" fmla="*/ 660795 h 2784619"/>
+                  <a:gd name="connsiteX7" fmla="*/ 1139562 w 1469959"/>
+                  <a:gd name="connsiteY7" fmla="*/ 2784619 h 2784619"/>
+                  <a:gd name="connsiteX8" fmla="*/ 1176 w 1469959"/>
+                  <a:gd name="connsiteY8" fmla="*/ 2783679 h 2784619"/>
+                  <a:gd name="connsiteX9" fmla="*/ 0 w 1469959"/>
+                  <a:gd name="connsiteY9" fmla="*/ 2124897 h 2784619"/>
+                </a:gdLst>
+                <a:ahLst/>
+                <a:cxnLst>
+                  <a:cxn ang="0">
+                    <a:pos x="connsiteX0" y="connsiteY0"/>
+                  </a:cxn>
+                  <a:cxn ang="0">
+                    <a:pos x="connsiteX1" y="connsiteY1"/>
+                  </a:cxn>
+                  <a:cxn ang="0">
+                    <a:pos x="connsiteX2" y="connsiteY2"/>
+                  </a:cxn>
+                  <a:cxn ang="0">
+                    <a:pos x="connsiteX3" y="connsiteY3"/>
+                  </a:cxn>
+                  <a:cxn ang="0">
+                    <a:pos x="connsiteX4" y="connsiteY4"/>
+                  </a:cxn>
+                  <a:cxn ang="0">
+                    <a:pos x="connsiteX5" y="connsiteY5"/>
+                  </a:cxn>
+                  <a:cxn ang="0">
+                    <a:pos x="connsiteX6" y="connsiteY6"/>
+                  </a:cxn>
+                  <a:cxn ang="0">
+                    <a:pos x="connsiteX7" y="connsiteY7"/>
+                  </a:cxn>
+                  <a:cxn ang="0">
+                    <a:pos x="connsiteX8" y="connsiteY8"/>
+                  </a:cxn>
+                  <a:cxn ang="0">
+                    <a:pos x="connsiteX9" y="connsiteY9"/>
+                  </a:cxn>
+                </a:cxnLst>
+                <a:rect l="l" t="t" r="r" b="b"/>
+                <a:pathLst>
+                  <a:path w="1469959" h="2784619">
+                    <a:moveTo>
+                      <a:pt x="0" y="2124897"/>
+                    </a:moveTo>
+                    <a:lnTo>
+                      <a:pt x="478767" y="2123824"/>
+                    </a:lnTo>
+                    <a:lnTo>
+                      <a:pt x="478767" y="660795"/>
+                    </a:lnTo>
+                    <a:lnTo>
+                      <a:pt x="148369" y="660795"/>
+                    </a:lnTo>
+                    <a:lnTo>
+                      <a:pt x="809164" y="0"/>
+                    </a:lnTo>
+                    <a:lnTo>
+                      <a:pt x="1469959" y="660795"/>
+                    </a:lnTo>
+                    <a:lnTo>
+                      <a:pt x="1139562" y="660795"/>
+                    </a:lnTo>
+                    <a:lnTo>
+                      <a:pt x="1139562" y="2784619"/>
+                    </a:lnTo>
+                    <a:lnTo>
+                      <a:pt x="1176" y="2783679"/>
+                    </a:lnTo>
+                    <a:cubicBezTo>
+                      <a:pt x="82" y="2559147"/>
+                      <a:pt x="1094" y="2349429"/>
+                      <a:pt x="0" y="2124897"/>
+                    </a:cubicBezTo>
+                    <a:close/>
+                  </a:path>
+                </a:pathLst>
+              </a:custGeom>
+              <a:solidFill>
+                <a:schemeClr val="bg1"/>
+              </a:solidFill>
+            </p:spPr>
+            <p:style>
+              <a:lnRef idx="2">
+                <a:schemeClr val="dk1"/>
+              </a:lnRef>
+              <a:fillRef idx="1">
+                <a:schemeClr val="lt1"/>
+              </a:fillRef>
+              <a:effectRef idx="0">
+                <a:schemeClr val="dk1"/>
+              </a:effectRef>
+              <a:fontRef idx="minor">
+                <a:schemeClr val="dk1"/>
+              </a:fontRef>
+            </p:style>
+            <p:txBody>
+              <a:bodyPr rtlCol="0" anchor="ctr"/>
+              <a:lstStyle/>
+              <a:p>
+                <a:pPr algn="ctr"/>
+                <a:endParaRPr lang="zh-CN" altLang="en-US" dirty="0"/>
+              </a:p>
+            </p:txBody>
+          </p:sp>
+          <p:sp>
+            <p:nvSpPr>
+              <p:cNvPr id="13" name="箭头: 左 12">
+                <a:extLst>
+                  <a:ext uri="{FF2B5EF4-FFF2-40B4-BE49-F238E27FC236}">
+                    <a16:creationId xmlns:a16="http://schemas.microsoft.com/office/drawing/2014/main" id="{849FDC18-8EC2-41D9-A336-D48B52D75CE6}"/>
+                  </a:ext>
+                </a:extLst>
+              </p:cNvPr>
+              <p:cNvSpPr/>
+              <p:nvPr/>
+            </p:nvSpPr>
+            <p:spPr>
+              <a:xfrm>
+                <a:off x="9044827" y="3425027"/>
+                <a:ext cx="2784621" cy="1325562"/>
+              </a:xfrm>
+              <a:prstGeom prst="leftArrow">
+                <a:avLst/>
+              </a:prstGeom>
+              <a:noFill/>
+              <a:ln>
+                <a:noFill/>
+              </a:ln>
+            </p:spPr>
+            <p:style>
+              <a:lnRef idx="0">
+                <a:scrgbClr r="0" g="0" b="0"/>
+              </a:lnRef>
+              <a:fillRef idx="0">
+                <a:scrgbClr r="0" g="0" b="0"/>
+              </a:fillRef>
+              <a:effectRef idx="0">
+                <a:scrgbClr r="0" g="0" b="0"/>
+              </a:effectRef>
+              <a:fontRef idx="minor">
+                <a:schemeClr val="dk1"/>
+              </a:fontRef>
+            </p:style>
+            <p:txBody>
+              <a:bodyPr rtlCol="0" anchor="ctr"/>
+              <a:lstStyle/>
+              <a:p>
+                <a:pPr algn="ctr"/>
+                <a:r>
+                  <a:rPr lang="zh-CN" altLang="en-US" dirty="0"/>
+                  <a:t>客户端发送自身</a:t>
+                </a:r>
+                <a:r>
+                  <a:rPr lang="en-US" altLang="zh-CN" dirty="0"/>
+                  <a:t>IP</a:t>
+                </a:r>
+                <a:r>
+                  <a:rPr lang="zh-CN" altLang="en-US" dirty="0"/>
+                  <a:t>地址</a:t>
+                </a:r>
+              </a:p>
+            </p:txBody>
+          </p:sp>
+        </p:grpSp>
+        <p:sp>
+          <p:nvSpPr>
+            <p:cNvPr id="46" name="流程图: 顺序访问存储器 45">
+              <a:extLst>
+                <a:ext uri="{FF2B5EF4-FFF2-40B4-BE49-F238E27FC236}">
+                  <a16:creationId xmlns:a16="http://schemas.microsoft.com/office/drawing/2014/main" id="{24113AA1-ECE9-4480-872B-BE14362AF5E6}"/>
+                </a:ext>
+              </a:extLst>
+            </p:cNvPr>
+            <p:cNvSpPr>
+              <a:spLocks noChangeAspect="1"/>
+            </p:cNvSpPr>
+            <p:nvPr/>
+          </p:nvSpPr>
+          <p:spPr>
+            <a:xfrm>
+              <a:off x="10228203" y="4160621"/>
+              <a:ext cx="1368000" cy="1368000"/>
+            </a:xfrm>
+            <a:prstGeom prst="flowChartMagneticTape">
+              <a:avLst/>
+            </a:prstGeom>
+            <a:solidFill>
+              <a:schemeClr val="bg1"/>
+            </a:solidFill>
+          </p:spPr>
+          <p:style>
+            <a:lnRef idx="2">
+              <a:schemeClr val="dk1"/>
+            </a:lnRef>
+            <a:fillRef idx="1">
+              <a:schemeClr val="lt1"/>
+            </a:fillRef>
+            <a:effectRef idx="0">
+              <a:schemeClr val="dk1"/>
+            </a:effectRef>
+            <a:fontRef idx="minor">
+              <a:schemeClr val="dk1"/>
+            </a:fontRef>
+          </p:style>
+          <p:txBody>
+            <a:bodyPr rtlCol="0" anchor="ctr"/>
+            <a:lstStyle/>
+            <a:p>
+              <a:pPr algn="ctr"/>
+              <a:r>
+                <a:rPr lang="en-US" altLang="zh-CN" sz="1600" dirty="0" err="1"/>
+                <a:t>Gogisnet</a:t>
+              </a:r>
+              <a:endParaRPr lang="en-US" altLang="zh-CN" sz="1600" dirty="0"/>
+            </a:p>
+            <a:p>
+              <a:pPr algn="ctr"/>
+              <a:r>
+                <a:rPr lang="zh-CN" altLang="en-US" sz="1600" dirty="0"/>
+                <a:t>客户端</a:t>
+              </a:r>
+            </a:p>
+          </p:txBody>
+        </p:sp>
+      </p:grpSp>
       <p:cxnSp>
         <p:nvCxnSpPr>
-          <p:cNvPr id="12" name="连接符: 肘形 11">
-            <a:extLst>
-              <a:ext uri="{FF2B5EF4-FFF2-40B4-BE49-F238E27FC236}">
-                <a16:creationId xmlns:a16="http://schemas.microsoft.com/office/drawing/2014/main" id="{A1E63C89-11F2-4165-AD6C-FAD2FD39F928}"/>
+          <p:cNvPr id="50" name="连接符: 肘形 49">
+            <a:extLst>
+              <a:ext uri="{FF2B5EF4-FFF2-40B4-BE49-F238E27FC236}">
+                <a16:creationId xmlns:a16="http://schemas.microsoft.com/office/drawing/2014/main" id="{50BEF9D3-4E86-4246-8D66-1DCE82A01B70}"/>
               </a:ext>
             </a:extLst>
           </p:cNvPr>
           <p:cNvCxnSpPr>
-            <a:stCxn id="6" idx="2"/>
-            <a:endCxn id="7" idx="3"/>
+            <a:cxnSpLocks/>
+            <a:stCxn id="8" idx="2"/>
+            <a:endCxn id="45" idx="1"/>
           </p:cNvCxnSpPr>
           <p:nvPr/>
         </p:nvCxnSpPr>
         <p:spPr>
-          <a:xfrm rot="5400000">
-            <a:off x="6599185" y="4710575"/>
-            <a:ext cx="886793" cy="572362"/>
+          <a:xfrm rot="16200000" flipH="1">
+            <a:off x="6553331" y="2140172"/>
+            <a:ext cx="1999428" cy="5379610"/>
           </a:xfrm>
           <a:prstGeom prst="bentConnector2">
             <a:avLst/>
@@ -3888,94 +4722,20 @@
       </p:cxnSp>
       <p:sp>
         <p:nvSpPr>
-          <p:cNvPr id="13" name="箭头: 左 12">
-            <a:extLst>
-              <a:ext uri="{FF2B5EF4-FFF2-40B4-BE49-F238E27FC236}">
-                <a16:creationId xmlns:a16="http://schemas.microsoft.com/office/drawing/2014/main" id="{849FDC18-8EC2-41D9-A336-D48B52D75CE6}"/>
-              </a:ext>
-            </a:extLst>
-          </p:cNvPr>
-          <p:cNvSpPr/>
+          <p:cNvPr id="55" name="文本框 54">
+            <a:extLst>
+              <a:ext uri="{FF2B5EF4-FFF2-40B4-BE49-F238E27FC236}">
+                <a16:creationId xmlns:a16="http://schemas.microsoft.com/office/drawing/2014/main" id="{CF803120-3161-4C35-9C6C-D3511A68F1BF}"/>
+              </a:ext>
+            </a:extLst>
+          </p:cNvPr>
+          <p:cNvSpPr txBox="1"/>
           <p:nvPr/>
         </p:nvSpPr>
         <p:spPr>
           <a:xfrm>
-            <a:off x="8453122" y="2766219"/>
-            <a:ext cx="2796701" cy="1325562"/>
-          </a:xfrm>
-          <a:prstGeom prst="leftArrow">
-            <a:avLst/>
-          </a:prstGeom>
-        </p:spPr>
-        <p:style>
-          <a:lnRef idx="2">
-            <a:schemeClr val="dk1"/>
-          </a:lnRef>
-          <a:fillRef idx="1">
-            <a:schemeClr val="lt1"/>
-          </a:fillRef>
-          <a:effectRef idx="0">
-            <a:schemeClr val="dk1"/>
-          </a:effectRef>
-          <a:fontRef idx="minor">
-            <a:schemeClr val="dk1"/>
-          </a:fontRef>
-        </p:style>
-        <p:txBody>
-          <a:bodyPr rtlCol="0" anchor="ctr"/>
-          <a:lstStyle/>
-          <a:p>
-            <a:pPr algn="ctr"/>
-            <a:r>
-              <a:rPr lang="zh-CN" altLang="en-US" dirty="0"/>
-              <a:t>接收客户端</a:t>
-            </a:r>
-            <a:r>
-              <a:rPr lang="en-US" altLang="zh-CN" dirty="0"/>
-              <a:t>(</a:t>
-            </a:r>
-            <a:r>
-              <a:rPr lang="zh-CN" altLang="en-US" dirty="0"/>
-              <a:t>测试从机</a:t>
-            </a:r>
-            <a:r>
-              <a:rPr lang="en-US" altLang="zh-CN" dirty="0"/>
-              <a:t>)</a:t>
-            </a:r>
-          </a:p>
-          <a:p>
-            <a:pPr algn="ctr"/>
-            <a:r>
-              <a:rPr lang="zh-CN" altLang="en-US" dirty="0"/>
-              <a:t>发来的</a:t>
-            </a:r>
-            <a:r>
-              <a:rPr lang="en-US" altLang="zh-CN" dirty="0"/>
-              <a:t>IP</a:t>
-            </a:r>
-            <a:r>
-              <a:rPr lang="zh-CN" altLang="en-US" dirty="0"/>
-              <a:t>地址</a:t>
-            </a:r>
-          </a:p>
-        </p:txBody>
-      </p:sp>
-      <p:sp>
-        <p:nvSpPr>
-          <p:cNvPr id="14" name="文本框 13">
-            <a:extLst>
-              <a:ext uri="{FF2B5EF4-FFF2-40B4-BE49-F238E27FC236}">
-                <a16:creationId xmlns:a16="http://schemas.microsoft.com/office/drawing/2014/main" id="{44320F4B-019F-4B54-91B6-25C3E4EDBF35}"/>
-              </a:ext>
-            </a:extLst>
-          </p:cNvPr>
-          <p:cNvSpPr txBox="1"/>
-          <p:nvPr/>
-        </p:nvSpPr>
-        <p:spPr>
-          <a:xfrm>
-            <a:off x="7005464" y="3907029"/>
-            <a:ext cx="1147855" cy="646331"/>
+            <a:off x="4863240" y="5491136"/>
+            <a:ext cx="1580882" cy="338554"/>
           </a:xfrm>
           <a:prstGeom prst="rect">
             <a:avLst/>
@@ -3983,105 +4743,48 @@
           <a:noFill/>
         </p:spPr>
         <p:txBody>
-          <a:bodyPr wrap="square" rtlCol="0">
-            <a:spAutoFit/>
-          </a:bodyPr>
-          <a:lstStyle/>
-          <a:p>
-            <a:r>
-              <a:rPr lang="zh-CN" altLang="en-US" dirty="0"/>
-              <a:t>固定格式</a:t>
-            </a:r>
-            <a:endParaRPr lang="en-US" altLang="zh-CN" dirty="0"/>
-          </a:p>
-          <a:p>
-            <a:r>
-              <a:rPr lang="zh-CN" altLang="en-US" dirty="0"/>
-              <a:t>生成域名</a:t>
-            </a:r>
-          </a:p>
-        </p:txBody>
-      </p:sp>
-      <p:sp>
-        <p:nvSpPr>
-          <p:cNvPr id="15" name="文本框 14">
-            <a:extLst>
-              <a:ext uri="{FF2B5EF4-FFF2-40B4-BE49-F238E27FC236}">
-                <a16:creationId xmlns:a16="http://schemas.microsoft.com/office/drawing/2014/main" id="{B1D58B41-6F82-4671-AE91-A4EE8BEC99E8}"/>
-              </a:ext>
-            </a:extLst>
-          </p:cNvPr>
-          <p:cNvSpPr txBox="1"/>
-          <p:nvPr/>
-        </p:nvSpPr>
-        <p:spPr>
-          <a:xfrm>
-            <a:off x="6761209" y="5437216"/>
-            <a:ext cx="1762021" cy="646331"/>
-          </a:xfrm>
-          <a:prstGeom prst="rect">
-            <a:avLst/>
-          </a:prstGeom>
-          <a:noFill/>
-        </p:spPr>
-        <p:txBody>
           <a:bodyPr wrap="none" rtlCol="0">
             <a:spAutoFit/>
           </a:bodyPr>
           <a:lstStyle/>
           <a:p>
             <a:r>
-              <a:rPr lang="zh-CN" altLang="en-US" dirty="0"/>
-              <a:t>修改</a:t>
-            </a:r>
-            <a:r>
-              <a:rPr lang="en-US" altLang="zh-CN" dirty="0"/>
-              <a:t>hosts</a:t>
-            </a:r>
-            <a:r>
-              <a:rPr lang="zh-CN" altLang="en-US" dirty="0"/>
-              <a:t>文件</a:t>
-            </a:r>
-            <a:endParaRPr lang="en-US" altLang="zh-CN" dirty="0"/>
-          </a:p>
-          <a:p>
-            <a:r>
-              <a:rPr lang="zh-CN" altLang="en-US" dirty="0"/>
-              <a:t>将域名与</a:t>
-            </a:r>
-            <a:r>
-              <a:rPr lang="en-US" altLang="zh-CN" dirty="0"/>
+              <a:rPr lang="zh-CN" altLang="en-US" sz="1600" dirty="0"/>
+              <a:t>根据</a:t>
+            </a:r>
+            <a:r>
+              <a:rPr lang="en-US" altLang="zh-CN" sz="1600" dirty="0"/>
               <a:t>IP</a:t>
             </a:r>
             <a:r>
-              <a:rPr lang="zh-CN" altLang="en-US" dirty="0"/>
-              <a:t>对应</a:t>
+              <a:rPr lang="zh-CN" altLang="en-US" sz="1600" dirty="0"/>
+              <a:t>找到从机</a:t>
             </a:r>
           </a:p>
         </p:txBody>
       </p:sp>
       <p:cxnSp>
         <p:nvCxnSpPr>
-          <p:cNvPr id="18" name="连接符: 肘形 17">
-            <a:extLst>
-              <a:ext uri="{FF2B5EF4-FFF2-40B4-BE49-F238E27FC236}">
-                <a16:creationId xmlns:a16="http://schemas.microsoft.com/office/drawing/2014/main" id="{FA43852A-67B6-47B0-8223-C2C0970360B0}"/>
+          <p:cNvPr id="58" name="直接箭头连接符 57">
+            <a:extLst>
+              <a:ext uri="{FF2B5EF4-FFF2-40B4-BE49-F238E27FC236}">
+                <a16:creationId xmlns:a16="http://schemas.microsoft.com/office/drawing/2014/main" id="{AF0AEFE0-10DE-4B61-B8F5-12D27345CEF7}"/>
               </a:ext>
             </a:extLst>
           </p:cNvPr>
           <p:cNvCxnSpPr>
             <a:cxnSpLocks/>
-            <a:stCxn id="7" idx="1"/>
-            <a:endCxn id="8" idx="2"/>
+            <a:stCxn id="59" idx="1"/>
+            <a:endCxn id="8" idx="3"/>
           </p:cNvCxnSpPr>
           <p:nvPr/>
         </p:nvCxnSpPr>
         <p:spPr>
-          <a:xfrm rot="10800000">
-            <a:off x="4863240" y="3830263"/>
-            <a:ext cx="572360" cy="1609890"/>
+          <a:xfrm flipH="1">
+            <a:off x="5523640" y="3505172"/>
+            <a:ext cx="1144722" cy="3889"/>
           </a:xfrm>
-          <a:prstGeom prst="bentConnector2">
+          <a:prstGeom prst="straightConnector1">
             <a:avLst/>
           </a:prstGeom>
           <a:ln>
@@ -4105,62 +4808,22 @@
       </p:cxnSp>
       <p:sp>
         <p:nvSpPr>
-          <p:cNvPr id="21" name="文本框 20">
-            <a:extLst>
-              <a:ext uri="{FF2B5EF4-FFF2-40B4-BE49-F238E27FC236}">
-                <a16:creationId xmlns:a16="http://schemas.microsoft.com/office/drawing/2014/main" id="{87F2089A-A824-433D-B0B7-6066CA6BD41A}"/>
-              </a:ext>
-            </a:extLst>
-          </p:cNvPr>
-          <p:cNvSpPr txBox="1"/>
+          <p:cNvPr id="59" name="矩形 58">
+            <a:extLst>
+              <a:ext uri="{FF2B5EF4-FFF2-40B4-BE49-F238E27FC236}">
+                <a16:creationId xmlns:a16="http://schemas.microsoft.com/office/drawing/2014/main" id="{78F2D12B-2503-445E-901B-A0D9AE31510C}"/>
+              </a:ext>
+            </a:extLst>
+          </p:cNvPr>
+          <p:cNvSpPr/>
           <p:nvPr/>
         </p:nvSpPr>
         <p:spPr>
           <a:xfrm>
-            <a:off x="3503143" y="5436578"/>
-            <a:ext cx="1984839" cy="369332"/>
+            <a:off x="6668362" y="3252343"/>
+            <a:ext cx="1320800" cy="505658"/>
           </a:xfrm>
           <a:prstGeom prst="rect">
-            <a:avLst/>
-          </a:prstGeom>
-          <a:noFill/>
-        </p:spPr>
-        <p:txBody>
-          <a:bodyPr wrap="none" rtlCol="0">
-            <a:spAutoFit/>
-          </a:bodyPr>
-          <a:lstStyle/>
-          <a:p>
-            <a:r>
-              <a:rPr lang="zh-CN" altLang="en-US" dirty="0"/>
-              <a:t>以域名查找从机</a:t>
-            </a:r>
-            <a:r>
-              <a:rPr lang="en-US" altLang="zh-CN" dirty="0"/>
-              <a:t>IP</a:t>
-            </a:r>
-            <a:endParaRPr lang="zh-CN" altLang="en-US" dirty="0"/>
-          </a:p>
-        </p:txBody>
-      </p:sp>
-      <p:sp>
-        <p:nvSpPr>
-          <p:cNvPr id="22" name="箭头: 左右 21">
-            <a:extLst>
-              <a:ext uri="{FF2B5EF4-FFF2-40B4-BE49-F238E27FC236}">
-                <a16:creationId xmlns:a16="http://schemas.microsoft.com/office/drawing/2014/main" id="{A6EF9615-2946-4616-B0C0-32F2D90EA9FA}"/>
-              </a:ext>
-            </a:extLst>
-          </p:cNvPr>
-          <p:cNvSpPr/>
-          <p:nvPr/>
-        </p:nvSpPr>
-        <p:spPr>
-          <a:xfrm>
-            <a:off x="637378" y="2766219"/>
-            <a:ext cx="3101502" cy="1325561"/>
-          </a:xfrm>
-          <a:prstGeom prst="leftRightArrow">
             <a:avLst/>
           </a:prstGeom>
         </p:spPr>
@@ -4184,8 +4847,47 @@
           <a:p>
             <a:pPr algn="ctr"/>
             <a:r>
+              <a:rPr lang="en-US" altLang="zh-CN" dirty="0"/>
+              <a:t>IP</a:t>
+            </a:r>
+            <a:r>
               <a:rPr lang="zh-CN" altLang="en-US" dirty="0"/>
-              <a:t>处理测试请求</a:t>
+              <a:t>地址表</a:t>
+            </a:r>
+          </a:p>
+        </p:txBody>
+      </p:sp>
+      <p:sp>
+        <p:nvSpPr>
+          <p:cNvPr id="63" name="文本框 62">
+            <a:extLst>
+              <a:ext uri="{FF2B5EF4-FFF2-40B4-BE49-F238E27FC236}">
+                <a16:creationId xmlns:a16="http://schemas.microsoft.com/office/drawing/2014/main" id="{CD4DE2B6-D3C0-40DC-B5C4-FBC10E39FDDC}"/>
+              </a:ext>
+            </a:extLst>
+          </p:cNvPr>
+          <p:cNvSpPr txBox="1"/>
+          <p:nvPr/>
+        </p:nvSpPr>
+        <p:spPr>
+          <a:xfrm>
+            <a:off x="5485871" y="3161831"/>
+            <a:ext cx="1210588" cy="338554"/>
+          </a:xfrm>
+          <a:prstGeom prst="rect">
+            <a:avLst/>
+          </a:prstGeom>
+          <a:noFill/>
+        </p:spPr>
+        <p:txBody>
+          <a:bodyPr wrap="none" rtlCol="0">
+            <a:spAutoFit/>
+          </a:bodyPr>
+          <a:lstStyle/>
+          <a:p>
+            <a:r>
+              <a:rPr lang="zh-CN" altLang="en-US" sz="1600" dirty="0"/>
+              <a:t>运行时输入</a:t>
             </a:r>
           </a:p>
         </p:txBody>
@@ -4269,7 +4971,10 @@
           <a:bodyPr/>
           <a:lstStyle/>
           <a:p>
-            <a:endParaRPr lang="zh-CN" altLang="en-US" dirty="0"/>
+            <a:r>
+              <a:rPr lang="zh-CN" altLang="en-US" dirty="0"/>
+              <a:t>主机节点</a:t>
+            </a:r>
           </a:p>
         </p:txBody>
       </p:sp>
@@ -4326,25 +5031,17 @@
           <a:p>
             <a:r>
               <a:rPr lang="zh-CN" altLang="en-US" dirty="0"/>
-              <a:t>系统设置</a:t>
-            </a:r>
-            <a:r>
-              <a:rPr lang="en-US" altLang="zh-CN" dirty="0"/>
-              <a:t>-</a:t>
-            </a:r>
-            <a:r>
-              <a:rPr lang="zh-CN" altLang="en-US" dirty="0"/>
-              <a:t>结构</a:t>
+              <a:t>主机节点系统设置</a:t>
             </a:r>
           </a:p>
         </p:txBody>
       </p:sp>
       <p:grpSp>
         <p:nvGrpSpPr>
-          <p:cNvPr id="42" name="组合 41">
-            <a:extLst>
-              <a:ext uri="{FF2B5EF4-FFF2-40B4-BE49-F238E27FC236}">
-                <a16:creationId xmlns:a16="http://schemas.microsoft.com/office/drawing/2014/main" id="{905B4C9E-4416-426C-8218-BEB5920FF53A}"/>
+          <p:cNvPr id="63" name="组合 62">
+            <a:extLst>
+              <a:ext uri="{FF2B5EF4-FFF2-40B4-BE49-F238E27FC236}">
+                <a16:creationId xmlns:a16="http://schemas.microsoft.com/office/drawing/2014/main" id="{684530A1-D784-465E-B7F2-02DB6936A284}"/>
               </a:ext>
             </a:extLst>
           </p:cNvPr>
@@ -4354,9 +5051,9 @@
         <p:grpSpPr>
           <a:xfrm>
             <a:off x="838200" y="1690688"/>
-            <a:ext cx="7199365" cy="3903746"/>
+            <a:ext cx="7199364" cy="3383702"/>
             <a:chOff x="838200" y="1690688"/>
-            <a:chExt cx="7199365" cy="3903746"/>
+            <a:chExt cx="7199364" cy="3383702"/>
           </a:xfrm>
         </p:grpSpPr>
         <p:sp>
@@ -4374,7 +5071,7 @@
           <p:spPr>
             <a:xfrm>
               <a:off x="2998202" y="1690688"/>
-              <a:ext cx="359681" cy="3687574"/>
+              <a:ext cx="359681" cy="3220008"/>
             </a:xfrm>
             <a:prstGeom prst="leftBrace">
               <a:avLst>
@@ -4420,7 +5117,7 @@
           </p:nvSpPr>
           <p:spPr>
             <a:xfrm>
-              <a:off x="838200" y="3335863"/>
+              <a:off x="838200" y="3084692"/>
               <a:ext cx="2160000" cy="432000"/>
             </a:xfrm>
             <a:prstGeom prst="rect">
@@ -4453,12 +5150,110 @@
             </a:p>
           </p:txBody>
         </p:sp>
+        <p:sp>
+          <p:nvSpPr>
+            <p:cNvPr id="5" name="矩形 4">
+              <a:extLst>
+                <a:ext uri="{FF2B5EF4-FFF2-40B4-BE49-F238E27FC236}">
+                  <a16:creationId xmlns:a16="http://schemas.microsoft.com/office/drawing/2014/main" id="{085FB8F5-FD8A-4FFF-A3C9-14A175211316}"/>
+                </a:ext>
+              </a:extLst>
+            </p:cNvPr>
+            <p:cNvSpPr/>
+            <p:nvPr/>
+          </p:nvSpPr>
+          <p:spPr>
+            <a:xfrm>
+              <a:off x="3357885" y="1692764"/>
+              <a:ext cx="2160000" cy="432000"/>
+            </a:xfrm>
+            <a:prstGeom prst="rect">
+              <a:avLst/>
+            </a:prstGeom>
+          </p:spPr>
+          <p:style>
+            <a:lnRef idx="2">
+              <a:schemeClr val="dk1"/>
+            </a:lnRef>
+            <a:fillRef idx="1">
+              <a:schemeClr val="lt1"/>
+            </a:fillRef>
+            <a:effectRef idx="0">
+              <a:schemeClr val="dk1"/>
+            </a:effectRef>
+            <a:fontRef idx="minor">
+              <a:schemeClr val="dk1"/>
+            </a:fontRef>
+          </p:style>
+          <p:txBody>
+            <a:bodyPr rtlCol="0" anchor="ctr"/>
+            <a:lstStyle/>
+            <a:p>
+              <a:pPr algn="ctr"/>
+              <a:r>
+                <a:rPr lang="zh-CN" altLang="en-US" dirty="0"/>
+                <a:t>节点信息设置</a:t>
+              </a:r>
+            </a:p>
+          </p:txBody>
+        </p:sp>
+        <p:sp>
+          <p:nvSpPr>
+            <p:cNvPr id="7" name="矩形 6">
+              <a:extLst>
+                <a:ext uri="{FF2B5EF4-FFF2-40B4-BE49-F238E27FC236}">
+                  <a16:creationId xmlns:a16="http://schemas.microsoft.com/office/drawing/2014/main" id="{F4BBAC20-43CA-4AF4-8F1D-5AC7437925BF}"/>
+                </a:ext>
+              </a:extLst>
+            </p:cNvPr>
+            <p:cNvSpPr/>
+            <p:nvPr/>
+          </p:nvSpPr>
+          <p:spPr>
+            <a:xfrm>
+              <a:off x="3357884" y="2338516"/>
+              <a:ext cx="2160000" cy="432000"/>
+            </a:xfrm>
+            <a:prstGeom prst="rect">
+              <a:avLst/>
+            </a:prstGeom>
+          </p:spPr>
+          <p:style>
+            <a:lnRef idx="2">
+              <a:schemeClr val="dk1"/>
+            </a:lnRef>
+            <a:fillRef idx="1">
+              <a:schemeClr val="lt1"/>
+            </a:fillRef>
+            <a:effectRef idx="0">
+              <a:schemeClr val="dk1"/>
+            </a:effectRef>
+            <a:fontRef idx="minor">
+              <a:schemeClr val="dk1"/>
+            </a:fontRef>
+          </p:style>
+          <p:txBody>
+            <a:bodyPr rtlCol="0" anchor="ctr"/>
+            <a:lstStyle/>
+            <a:p>
+              <a:pPr algn="ctr"/>
+              <a:r>
+                <a:rPr lang="en-US" altLang="zh-CN" dirty="0" err="1"/>
+                <a:t>Gogisnet</a:t>
+              </a:r>
+              <a:r>
+                <a:rPr lang="zh-CN" altLang="en-US" dirty="0"/>
+                <a:t>设置</a:t>
+              </a:r>
+            </a:p>
+          </p:txBody>
+        </p:sp>
         <p:grpSp>
           <p:nvGrpSpPr>
-            <p:cNvPr id="41" name="组合 40">
+            <p:cNvPr id="22" name="组合 21">
               <a:extLst>
                 <a:ext uri="{FF2B5EF4-FFF2-40B4-BE49-F238E27FC236}">
-                  <a16:creationId xmlns:a16="http://schemas.microsoft.com/office/drawing/2014/main" id="{00C8780A-145E-4137-9B4B-868095BCFB80}"/>
+                  <a16:creationId xmlns:a16="http://schemas.microsoft.com/office/drawing/2014/main" id="{5346C3D5-22C3-4947-99AD-A4D62A089662}"/>
                 </a:ext>
               </a:extLst>
             </p:cNvPr>
@@ -4467,18 +5262,18 @@
           </p:nvGrpSpPr>
           <p:grpSpPr>
             <a:xfrm>
-              <a:off x="3357883" y="1692764"/>
-              <a:ext cx="4679682" cy="3901670"/>
-              <a:chOff x="3357883" y="1692764"/>
-              <a:chExt cx="4679682" cy="3901670"/>
+              <a:off x="3357883" y="2979852"/>
+              <a:ext cx="4679681" cy="864000"/>
+              <a:chOff x="3576319" y="4141037"/>
+              <a:chExt cx="4679681" cy="864000"/>
             </a:xfrm>
           </p:grpSpPr>
           <p:sp>
             <p:nvSpPr>
-              <p:cNvPr id="5" name="矩形 4">
+              <p:cNvPr id="21" name="左大括号 20">
                 <a:extLst>
                   <a:ext uri="{FF2B5EF4-FFF2-40B4-BE49-F238E27FC236}">
-                    <a16:creationId xmlns:a16="http://schemas.microsoft.com/office/drawing/2014/main" id="{085FB8F5-FD8A-4FFF-A3C9-14A175211316}"/>
+                    <a16:creationId xmlns:a16="http://schemas.microsoft.com/office/drawing/2014/main" id="{C219A546-259E-4D2B-980B-7E2CD3D2892E}"/>
                   </a:ext>
                 </a:extLst>
               </p:cNvPr>
@@ -4487,7 +5282,54 @@
             </p:nvSpPr>
             <p:spPr>
               <a:xfrm>
-                <a:off x="3357885" y="1692764"/>
+                <a:off x="5736318" y="4141037"/>
+                <a:ext cx="359682" cy="857508"/>
+              </a:xfrm>
+              <a:prstGeom prst="leftBrace">
+                <a:avLst>
+                  <a:gd name="adj1" fmla="val 57981"/>
+                  <a:gd name="adj2" fmla="val 50000"/>
+                </a:avLst>
+              </a:prstGeom>
+            </p:spPr>
+            <p:style>
+              <a:lnRef idx="3">
+                <a:schemeClr val="dk1"/>
+              </a:lnRef>
+              <a:fillRef idx="0">
+                <a:schemeClr val="dk1"/>
+              </a:fillRef>
+              <a:effectRef idx="2">
+                <a:schemeClr val="dk1"/>
+              </a:effectRef>
+              <a:fontRef idx="minor">
+                <a:schemeClr val="tx1"/>
+              </a:fontRef>
+            </p:style>
+            <p:txBody>
+              <a:bodyPr rtlCol="0" anchor="ctr"/>
+              <a:lstStyle/>
+              <a:p>
+                <a:pPr algn="ctr"/>
+                <a:endParaRPr lang="zh-CN" altLang="en-US"/>
+              </a:p>
+            </p:txBody>
+          </p:sp>
+          <p:sp>
+            <p:nvSpPr>
+              <p:cNvPr id="9" name="矩形 8">
+                <a:extLst>
+                  <a:ext uri="{FF2B5EF4-FFF2-40B4-BE49-F238E27FC236}">
+                    <a16:creationId xmlns:a16="http://schemas.microsoft.com/office/drawing/2014/main" id="{D2770956-D793-4167-9E63-70D23FAE8ABD}"/>
+                  </a:ext>
+                </a:extLst>
+              </p:cNvPr>
+              <p:cNvSpPr/>
+              <p:nvPr/>
+            </p:nvSpPr>
+            <p:spPr>
+              <a:xfrm>
+                <a:off x="3576319" y="4362704"/>
                 <a:ext cx="2160000" cy="432000"/>
               </a:xfrm>
               <a:prstGeom prst="rect">
@@ -4515,17 +5357,17 @@
                 <a:pPr algn="ctr"/>
                 <a:r>
                   <a:rPr lang="zh-CN" altLang="en-US" dirty="0"/>
-                  <a:t>节点信息设置</a:t>
+                  <a:t>端口监听设置</a:t>
                 </a:r>
               </a:p>
             </p:txBody>
           </p:sp>
           <p:sp>
             <p:nvSpPr>
-              <p:cNvPr id="7" name="矩形 6">
+              <p:cNvPr id="12" name="矩形 11">
                 <a:extLst>
                   <a:ext uri="{FF2B5EF4-FFF2-40B4-BE49-F238E27FC236}">
-                    <a16:creationId xmlns:a16="http://schemas.microsoft.com/office/drawing/2014/main" id="{F4BBAC20-43CA-4AF4-8F1D-5AC7437925BF}"/>
+                    <a16:creationId xmlns:a16="http://schemas.microsoft.com/office/drawing/2014/main" id="{BA15A829-E624-45F9-9E61-D7954119571C}"/>
                   </a:ext>
                 </a:extLst>
               </p:cNvPr>
@@ -4534,7 +5376,7 @@
             </p:nvSpPr>
             <p:spPr>
               <a:xfrm>
-                <a:off x="3357884" y="2338516"/>
+                <a:off x="6096000" y="4141037"/>
                 <a:ext cx="2160000" cy="432000"/>
               </a:xfrm>
               <a:prstGeom prst="rect">
@@ -4566,763 +5408,380 @@
                 </a:r>
                 <a:r>
                   <a:rPr lang="zh-CN" altLang="en-US" dirty="0"/>
+                  <a:t>端口</a:t>
+                </a:r>
+              </a:p>
+            </p:txBody>
+          </p:sp>
+          <p:sp>
+            <p:nvSpPr>
+              <p:cNvPr id="13" name="矩形 12">
+                <a:extLst>
+                  <a:ext uri="{FF2B5EF4-FFF2-40B4-BE49-F238E27FC236}">
+                    <a16:creationId xmlns:a16="http://schemas.microsoft.com/office/drawing/2014/main" id="{46FAD84D-7433-4DEB-BDB1-06FE734FAFD9}"/>
+                  </a:ext>
+                </a:extLst>
+              </p:cNvPr>
+              <p:cNvSpPr/>
+              <p:nvPr/>
+            </p:nvSpPr>
+            <p:spPr>
+              <a:xfrm>
+                <a:off x="6096000" y="4573037"/>
+                <a:ext cx="2160000" cy="432000"/>
+              </a:xfrm>
+              <a:prstGeom prst="rect">
+                <a:avLst/>
+              </a:prstGeom>
+            </p:spPr>
+            <p:style>
+              <a:lnRef idx="2">
+                <a:schemeClr val="dk1"/>
+              </a:lnRef>
+              <a:fillRef idx="1">
+                <a:schemeClr val="lt1"/>
+              </a:fillRef>
+              <a:effectRef idx="0">
+                <a:schemeClr val="dk1"/>
+              </a:effectRef>
+              <a:fontRef idx="minor">
+                <a:schemeClr val="dk1"/>
+              </a:fontRef>
+            </p:style>
+            <p:txBody>
+              <a:bodyPr rtlCol="0" anchor="ctr"/>
+              <a:lstStyle/>
+              <a:p>
+                <a:pPr algn="ctr"/>
+                <a:r>
+                  <a:rPr lang="en-US" altLang="zh-CN" dirty="0" err="1"/>
+                  <a:t>PressureMeter</a:t>
+                </a:r>
+                <a:r>
+                  <a:rPr lang="zh-CN" altLang="en-US" dirty="0"/>
+                  <a:t>端口</a:t>
+                </a:r>
+              </a:p>
+            </p:txBody>
+          </p:sp>
+        </p:grpSp>
+        <p:grpSp>
+          <p:nvGrpSpPr>
+            <p:cNvPr id="20" name="组合 19">
+              <a:extLst>
+                <a:ext uri="{FF2B5EF4-FFF2-40B4-BE49-F238E27FC236}">
+                  <a16:creationId xmlns:a16="http://schemas.microsoft.com/office/drawing/2014/main" id="{08A5A059-DAD4-4DE6-97BB-6514C246F20F}"/>
+                </a:ext>
+              </a:extLst>
+            </p:cNvPr>
+            <p:cNvGrpSpPr/>
+            <p:nvPr/>
+          </p:nvGrpSpPr>
+          <p:grpSpPr>
+            <a:xfrm>
+              <a:off x="3357882" y="4046696"/>
+              <a:ext cx="4679681" cy="864000"/>
+              <a:chOff x="3576319" y="2605944"/>
+              <a:chExt cx="4679681" cy="864000"/>
+            </a:xfrm>
+          </p:grpSpPr>
+          <p:sp>
+            <p:nvSpPr>
+              <p:cNvPr id="19" name="左大括号 18">
+                <a:extLst>
+                  <a:ext uri="{FF2B5EF4-FFF2-40B4-BE49-F238E27FC236}">
+                    <a16:creationId xmlns:a16="http://schemas.microsoft.com/office/drawing/2014/main" id="{857C7507-0AB9-49CB-B6C2-8525E094134E}"/>
+                  </a:ext>
+                </a:extLst>
+              </p:cNvPr>
+              <p:cNvSpPr/>
+              <p:nvPr/>
+            </p:nvSpPr>
+            <p:spPr>
+              <a:xfrm>
+                <a:off x="5736319" y="2612436"/>
+                <a:ext cx="359682" cy="857508"/>
+              </a:xfrm>
+              <a:prstGeom prst="leftBrace">
+                <a:avLst>
+                  <a:gd name="adj1" fmla="val 57981"/>
+                  <a:gd name="adj2" fmla="val 50000"/>
+                </a:avLst>
+              </a:prstGeom>
+            </p:spPr>
+            <p:style>
+              <a:lnRef idx="3">
+                <a:schemeClr val="dk1"/>
+              </a:lnRef>
+              <a:fillRef idx="0">
+                <a:schemeClr val="dk1"/>
+              </a:fillRef>
+              <a:effectRef idx="2">
+                <a:schemeClr val="dk1"/>
+              </a:effectRef>
+              <a:fontRef idx="minor">
+                <a:schemeClr val="tx1"/>
+              </a:fontRef>
+            </p:style>
+            <p:txBody>
+              <a:bodyPr rtlCol="0" anchor="ctr"/>
+              <a:lstStyle/>
+              <a:p>
+                <a:pPr algn="ctr"/>
+                <a:endParaRPr lang="zh-CN" altLang="en-US" dirty="0"/>
+              </a:p>
+            </p:txBody>
+          </p:sp>
+          <p:sp>
+            <p:nvSpPr>
+              <p:cNvPr id="6" name="矩形 5">
+                <a:extLst>
+                  <a:ext uri="{FF2B5EF4-FFF2-40B4-BE49-F238E27FC236}">
+                    <a16:creationId xmlns:a16="http://schemas.microsoft.com/office/drawing/2014/main" id="{4C2CDF51-0D55-4286-A543-63BC82773867}"/>
+                  </a:ext>
+                </a:extLst>
+              </p:cNvPr>
+              <p:cNvSpPr/>
+              <p:nvPr/>
+            </p:nvSpPr>
+            <p:spPr>
+              <a:xfrm>
+                <a:off x="3576319" y="2821772"/>
+                <a:ext cx="2160000" cy="432000"/>
+              </a:xfrm>
+              <a:prstGeom prst="rect">
+                <a:avLst/>
+              </a:prstGeom>
+            </p:spPr>
+            <p:style>
+              <a:lnRef idx="2">
+                <a:schemeClr val="dk1"/>
+              </a:lnRef>
+              <a:fillRef idx="1">
+                <a:schemeClr val="lt1"/>
+              </a:fillRef>
+              <a:effectRef idx="0">
+                <a:schemeClr val="dk1"/>
+              </a:effectRef>
+              <a:fontRef idx="minor">
+                <a:schemeClr val="dk1"/>
+              </a:fontRef>
+            </p:style>
+            <p:txBody>
+              <a:bodyPr rtlCol="0" anchor="ctr"/>
+              <a:lstStyle/>
+              <a:p>
+                <a:pPr algn="ctr"/>
+                <a:r>
+                  <a:rPr lang="en-US" altLang="zh-CN" dirty="0" err="1"/>
+                  <a:t>PressureMeter</a:t>
+                </a:r>
+                <a:r>
+                  <a:rPr lang="zh-CN" altLang="en-US" dirty="0"/>
                   <a:t>设置</a:t>
                 </a:r>
               </a:p>
             </p:txBody>
           </p:sp>
-          <p:grpSp>
-            <p:nvGrpSpPr>
-              <p:cNvPr id="22" name="组合 21">
+          <p:sp>
+            <p:nvSpPr>
+              <p:cNvPr id="11" name="矩形 10">
                 <a:extLst>
                   <a:ext uri="{FF2B5EF4-FFF2-40B4-BE49-F238E27FC236}">
-                    <a16:creationId xmlns:a16="http://schemas.microsoft.com/office/drawing/2014/main" id="{5346C3D5-22C3-4947-99AD-A4D62A089662}"/>
+                    <a16:creationId xmlns:a16="http://schemas.microsoft.com/office/drawing/2014/main" id="{92A29F56-764F-451A-A632-D95879F23E8E}"/>
                   </a:ext>
                 </a:extLst>
               </p:cNvPr>
-              <p:cNvGrpSpPr/>
+              <p:cNvSpPr/>
               <p:nvPr/>
-            </p:nvGrpSpPr>
-            <p:grpSpPr>
+            </p:nvSpPr>
+            <p:spPr>
               <a:xfrm>
-                <a:off x="3357884" y="3767863"/>
-                <a:ext cx="4679681" cy="864000"/>
-                <a:chOff x="3576319" y="4141037"/>
-                <a:chExt cx="4679681" cy="864000"/>
+                <a:off x="6096000" y="2605944"/>
+                <a:ext cx="2160000" cy="432000"/>
               </a:xfrm>
-            </p:grpSpPr>
-            <p:sp>
-              <p:nvSpPr>
-                <p:cNvPr id="21" name="左大括号 20">
-                  <a:extLst>
-                    <a:ext uri="{FF2B5EF4-FFF2-40B4-BE49-F238E27FC236}">
-                      <a16:creationId xmlns:a16="http://schemas.microsoft.com/office/drawing/2014/main" id="{C219A546-259E-4D2B-980B-7E2CD3D2892E}"/>
-                    </a:ext>
-                  </a:extLst>
-                </p:cNvPr>
-                <p:cNvSpPr/>
-                <p:nvPr/>
-              </p:nvSpPr>
-              <p:spPr>
-                <a:xfrm>
-                  <a:off x="5736318" y="4141037"/>
-                  <a:ext cx="359682" cy="857508"/>
-                </a:xfrm>
-                <a:prstGeom prst="leftBrace">
-                  <a:avLst>
-                    <a:gd name="adj1" fmla="val 57981"/>
-                    <a:gd name="adj2" fmla="val 50000"/>
-                  </a:avLst>
-                </a:prstGeom>
-              </p:spPr>
-              <p:style>
-                <a:lnRef idx="3">
-                  <a:schemeClr val="dk1"/>
-                </a:lnRef>
-                <a:fillRef idx="0">
-                  <a:schemeClr val="dk1"/>
-                </a:fillRef>
-                <a:effectRef idx="2">
-                  <a:schemeClr val="dk1"/>
-                </a:effectRef>
-                <a:fontRef idx="minor">
-                  <a:schemeClr val="tx1"/>
-                </a:fontRef>
-              </p:style>
-              <p:txBody>
-                <a:bodyPr rtlCol="0" anchor="ctr"/>
-                <a:lstStyle/>
-                <a:p>
-                  <a:pPr algn="ctr"/>
-                  <a:endParaRPr lang="zh-CN" altLang="en-US"/>
-                </a:p>
-              </p:txBody>
-            </p:sp>
-            <p:sp>
-              <p:nvSpPr>
-                <p:cNvPr id="9" name="矩形 8">
-                  <a:extLst>
-                    <a:ext uri="{FF2B5EF4-FFF2-40B4-BE49-F238E27FC236}">
-                      <a16:creationId xmlns:a16="http://schemas.microsoft.com/office/drawing/2014/main" id="{D2770956-D793-4167-9E63-70D23FAE8ABD}"/>
-                    </a:ext>
-                  </a:extLst>
-                </p:cNvPr>
-                <p:cNvSpPr/>
-                <p:nvPr/>
-              </p:nvSpPr>
-              <p:spPr>
-                <a:xfrm>
-                  <a:off x="3576319" y="4362704"/>
-                  <a:ext cx="2160000" cy="432000"/>
-                </a:xfrm>
-                <a:prstGeom prst="rect">
-                  <a:avLst/>
-                </a:prstGeom>
-              </p:spPr>
-              <p:style>
-                <a:lnRef idx="2">
-                  <a:schemeClr val="dk1"/>
-                </a:lnRef>
-                <a:fillRef idx="1">
-                  <a:schemeClr val="lt1"/>
-                </a:fillRef>
-                <a:effectRef idx="0">
-                  <a:schemeClr val="dk1"/>
-                </a:effectRef>
-                <a:fontRef idx="minor">
-                  <a:schemeClr val="dk1"/>
-                </a:fontRef>
-              </p:style>
-              <p:txBody>
-                <a:bodyPr rtlCol="0" anchor="ctr"/>
-                <a:lstStyle/>
-                <a:p>
-                  <a:pPr algn="ctr"/>
-                  <a:r>
-                    <a:rPr lang="zh-CN" altLang="en-US" dirty="0"/>
-                    <a:t>端口监听设置</a:t>
-                  </a:r>
-                </a:p>
-              </p:txBody>
-            </p:sp>
-            <p:sp>
-              <p:nvSpPr>
-                <p:cNvPr id="12" name="矩形 11">
-                  <a:extLst>
-                    <a:ext uri="{FF2B5EF4-FFF2-40B4-BE49-F238E27FC236}">
-                      <a16:creationId xmlns:a16="http://schemas.microsoft.com/office/drawing/2014/main" id="{BA15A829-E624-45F9-9E61-D7954119571C}"/>
-                    </a:ext>
-                  </a:extLst>
-                </p:cNvPr>
-                <p:cNvSpPr/>
-                <p:nvPr/>
-              </p:nvSpPr>
-              <p:spPr>
-                <a:xfrm>
-                  <a:off x="6096000" y="4141037"/>
-                  <a:ext cx="2160000" cy="432000"/>
-                </a:xfrm>
-                <a:prstGeom prst="rect">
-                  <a:avLst/>
-                </a:prstGeom>
-              </p:spPr>
-              <p:style>
-                <a:lnRef idx="2">
-                  <a:schemeClr val="dk1"/>
-                </a:lnRef>
-                <a:fillRef idx="1">
-                  <a:schemeClr val="lt1"/>
-                </a:fillRef>
-                <a:effectRef idx="0">
-                  <a:schemeClr val="dk1"/>
-                </a:effectRef>
-                <a:fontRef idx="minor">
-                  <a:schemeClr val="dk1"/>
-                </a:fontRef>
-              </p:style>
-              <p:txBody>
-                <a:bodyPr rtlCol="0" anchor="ctr"/>
-                <a:lstStyle/>
-                <a:p>
-                  <a:pPr algn="ctr"/>
-                  <a:r>
-                    <a:rPr lang="en-US" altLang="zh-CN" dirty="0" err="1"/>
-                    <a:t>Gogisnet</a:t>
-                  </a:r>
-                  <a:r>
-                    <a:rPr lang="zh-CN" altLang="en-US" dirty="0"/>
-                    <a:t>端口</a:t>
-                  </a:r>
-                </a:p>
-              </p:txBody>
-            </p:sp>
-            <p:sp>
-              <p:nvSpPr>
-                <p:cNvPr id="13" name="矩形 12">
-                  <a:extLst>
-                    <a:ext uri="{FF2B5EF4-FFF2-40B4-BE49-F238E27FC236}">
-                      <a16:creationId xmlns:a16="http://schemas.microsoft.com/office/drawing/2014/main" id="{46FAD84D-7433-4DEB-BDB1-06FE734FAFD9}"/>
-                    </a:ext>
-                  </a:extLst>
-                </p:cNvPr>
-                <p:cNvSpPr/>
-                <p:nvPr/>
-              </p:nvSpPr>
-              <p:spPr>
-                <a:xfrm>
-                  <a:off x="6096000" y="4573037"/>
-                  <a:ext cx="2160000" cy="432000"/>
-                </a:xfrm>
-                <a:prstGeom prst="rect">
-                  <a:avLst/>
-                </a:prstGeom>
-              </p:spPr>
-              <p:style>
-                <a:lnRef idx="2">
-                  <a:schemeClr val="dk1"/>
-                </a:lnRef>
-                <a:fillRef idx="1">
-                  <a:schemeClr val="lt1"/>
-                </a:fillRef>
-                <a:effectRef idx="0">
-                  <a:schemeClr val="dk1"/>
-                </a:effectRef>
-                <a:fontRef idx="minor">
-                  <a:schemeClr val="dk1"/>
-                </a:fontRef>
-              </p:style>
-              <p:txBody>
-                <a:bodyPr rtlCol="0" anchor="ctr"/>
-                <a:lstStyle/>
-                <a:p>
-                  <a:pPr algn="ctr"/>
-                  <a:r>
-                    <a:rPr lang="en-US" altLang="zh-CN" dirty="0" err="1"/>
-                    <a:t>PressureMeter</a:t>
-                  </a:r>
-                  <a:r>
-                    <a:rPr lang="zh-CN" altLang="en-US" dirty="0"/>
-                    <a:t>端口</a:t>
-                  </a:r>
-                </a:p>
-              </p:txBody>
-            </p:sp>
-          </p:grpSp>
-          <p:grpSp>
-            <p:nvGrpSpPr>
-              <p:cNvPr id="20" name="组合 19">
+              <a:prstGeom prst="rect">
+                <a:avLst/>
+              </a:prstGeom>
+            </p:spPr>
+            <p:style>
+              <a:lnRef idx="2">
+                <a:schemeClr val="dk1"/>
+              </a:lnRef>
+              <a:fillRef idx="1">
+                <a:schemeClr val="lt1"/>
+              </a:fillRef>
+              <a:effectRef idx="0">
+                <a:schemeClr val="dk1"/>
+              </a:effectRef>
+              <a:fontRef idx="minor">
+                <a:schemeClr val="dk1"/>
+              </a:fontRef>
+            </p:style>
+            <p:txBody>
+              <a:bodyPr rtlCol="0" anchor="ctr"/>
+              <a:lstStyle/>
+              <a:p>
+                <a:pPr algn="ctr"/>
+                <a:r>
+                  <a:rPr lang="en-US" altLang="zh-CN" dirty="0"/>
+                  <a:t>Model</a:t>
+                </a:r>
+                <a:r>
+                  <a:rPr lang="zh-CN" altLang="en-US" dirty="0"/>
+                  <a:t>设置</a:t>
+                </a:r>
+              </a:p>
+            </p:txBody>
+          </p:sp>
+          <p:sp>
+            <p:nvSpPr>
+              <p:cNvPr id="14" name="矩形 13">
                 <a:extLst>
                   <a:ext uri="{FF2B5EF4-FFF2-40B4-BE49-F238E27FC236}">
-                    <a16:creationId xmlns:a16="http://schemas.microsoft.com/office/drawing/2014/main" id="{08A5A059-DAD4-4DE6-97BB-6514C246F20F}"/>
+                    <a16:creationId xmlns:a16="http://schemas.microsoft.com/office/drawing/2014/main" id="{118E9E43-209F-4E7A-960F-AB5B7B9D3253}"/>
                   </a:ext>
                 </a:extLst>
               </p:cNvPr>
-              <p:cNvGrpSpPr/>
+              <p:cNvSpPr/>
               <p:nvPr/>
-            </p:nvGrpSpPr>
-            <p:grpSpPr>
+            </p:nvSpPr>
+            <p:spPr>
               <a:xfrm>
-                <a:off x="3357884" y="4730434"/>
-                <a:ext cx="4679681" cy="864000"/>
-                <a:chOff x="3576319" y="2605944"/>
-                <a:chExt cx="4679681" cy="864000"/>
+                <a:off x="6096000" y="3037944"/>
+                <a:ext cx="2160000" cy="432000"/>
               </a:xfrm>
-            </p:grpSpPr>
-            <p:sp>
-              <p:nvSpPr>
-                <p:cNvPr id="19" name="左大括号 18">
-                  <a:extLst>
-                    <a:ext uri="{FF2B5EF4-FFF2-40B4-BE49-F238E27FC236}">
-                      <a16:creationId xmlns:a16="http://schemas.microsoft.com/office/drawing/2014/main" id="{857C7507-0AB9-49CB-B6C2-8525E094134E}"/>
-                    </a:ext>
-                  </a:extLst>
-                </p:cNvPr>
-                <p:cNvSpPr/>
-                <p:nvPr/>
-              </p:nvSpPr>
-              <p:spPr>
-                <a:xfrm>
-                  <a:off x="5736319" y="2612436"/>
-                  <a:ext cx="359682" cy="857508"/>
-                </a:xfrm>
-                <a:prstGeom prst="leftBrace">
-                  <a:avLst>
-                    <a:gd name="adj1" fmla="val 57981"/>
-                    <a:gd name="adj2" fmla="val 50000"/>
-                  </a:avLst>
-                </a:prstGeom>
-              </p:spPr>
-              <p:style>
-                <a:lnRef idx="3">
-                  <a:schemeClr val="dk1"/>
-                </a:lnRef>
-                <a:fillRef idx="0">
-                  <a:schemeClr val="dk1"/>
-                </a:fillRef>
-                <a:effectRef idx="2">
-                  <a:schemeClr val="dk1"/>
-                </a:effectRef>
-                <a:fontRef idx="minor">
-                  <a:schemeClr val="tx1"/>
-                </a:fontRef>
-              </p:style>
-              <p:txBody>
-                <a:bodyPr rtlCol="0" anchor="ctr"/>
-                <a:lstStyle/>
-                <a:p>
-                  <a:pPr algn="ctr"/>
-                  <a:endParaRPr lang="zh-CN" altLang="en-US" dirty="0"/>
-                </a:p>
-              </p:txBody>
-            </p:sp>
-            <p:sp>
-              <p:nvSpPr>
-                <p:cNvPr id="6" name="矩形 5">
-                  <a:extLst>
-                    <a:ext uri="{FF2B5EF4-FFF2-40B4-BE49-F238E27FC236}">
-                      <a16:creationId xmlns:a16="http://schemas.microsoft.com/office/drawing/2014/main" id="{4C2CDF51-0D55-4286-A543-63BC82773867}"/>
-                    </a:ext>
-                  </a:extLst>
-                </p:cNvPr>
-                <p:cNvSpPr/>
-                <p:nvPr/>
-              </p:nvSpPr>
-              <p:spPr>
-                <a:xfrm>
-                  <a:off x="3576319" y="2821772"/>
-                  <a:ext cx="2160000" cy="432000"/>
-                </a:xfrm>
-                <a:prstGeom prst="rect">
-                  <a:avLst/>
-                </a:prstGeom>
-              </p:spPr>
-              <p:style>
-                <a:lnRef idx="2">
-                  <a:schemeClr val="dk1"/>
-                </a:lnRef>
-                <a:fillRef idx="1">
-                  <a:schemeClr val="lt1"/>
-                </a:fillRef>
-                <a:effectRef idx="0">
-                  <a:schemeClr val="dk1"/>
-                </a:effectRef>
-                <a:fontRef idx="minor">
-                  <a:schemeClr val="dk1"/>
-                </a:fontRef>
-              </p:style>
-              <p:txBody>
-                <a:bodyPr rtlCol="0" anchor="ctr"/>
-                <a:lstStyle/>
-                <a:p>
-                  <a:pPr algn="ctr"/>
-                  <a:r>
-                    <a:rPr lang="en-US" altLang="zh-CN" dirty="0" err="1"/>
-                    <a:t>PressureMeter</a:t>
-                  </a:r>
-                  <a:r>
-                    <a:rPr lang="zh-CN" altLang="en-US" dirty="0"/>
-                    <a:t>设置</a:t>
-                  </a:r>
-                </a:p>
-              </p:txBody>
-            </p:sp>
-            <p:sp>
-              <p:nvSpPr>
-                <p:cNvPr id="11" name="矩形 10">
-                  <a:extLst>
-                    <a:ext uri="{FF2B5EF4-FFF2-40B4-BE49-F238E27FC236}">
-                      <a16:creationId xmlns:a16="http://schemas.microsoft.com/office/drawing/2014/main" id="{92A29F56-764F-451A-A632-D95879F23E8E}"/>
-                    </a:ext>
-                  </a:extLst>
-                </p:cNvPr>
-                <p:cNvSpPr/>
-                <p:nvPr/>
-              </p:nvSpPr>
-              <p:spPr>
-                <a:xfrm>
-                  <a:off x="6096000" y="2605944"/>
-                  <a:ext cx="2160000" cy="432000"/>
-                </a:xfrm>
-                <a:prstGeom prst="rect">
-                  <a:avLst/>
-                </a:prstGeom>
-              </p:spPr>
-              <p:style>
-                <a:lnRef idx="2">
-                  <a:schemeClr val="dk1"/>
-                </a:lnRef>
-                <a:fillRef idx="1">
-                  <a:schemeClr val="lt1"/>
-                </a:fillRef>
-                <a:effectRef idx="0">
-                  <a:schemeClr val="dk1"/>
-                </a:effectRef>
-                <a:fontRef idx="minor">
-                  <a:schemeClr val="dk1"/>
-                </a:fontRef>
-              </p:style>
-              <p:txBody>
-                <a:bodyPr rtlCol="0" anchor="ctr"/>
-                <a:lstStyle/>
-                <a:p>
-                  <a:pPr algn="ctr"/>
-                  <a:r>
-                    <a:rPr lang="en-US" altLang="zh-CN" dirty="0"/>
-                    <a:t>Model</a:t>
-                  </a:r>
-                  <a:r>
-                    <a:rPr lang="zh-CN" altLang="en-US" dirty="0"/>
-                    <a:t>设置</a:t>
-                  </a:r>
-                </a:p>
-              </p:txBody>
-            </p:sp>
-            <p:sp>
-              <p:nvSpPr>
-                <p:cNvPr id="14" name="矩形 13">
-                  <a:extLst>
-                    <a:ext uri="{FF2B5EF4-FFF2-40B4-BE49-F238E27FC236}">
-                      <a16:creationId xmlns:a16="http://schemas.microsoft.com/office/drawing/2014/main" id="{118E9E43-209F-4E7A-960F-AB5B7B9D3253}"/>
-                    </a:ext>
-                  </a:extLst>
-                </p:cNvPr>
-                <p:cNvSpPr/>
-                <p:nvPr/>
-              </p:nvSpPr>
-              <p:spPr>
-                <a:xfrm>
-                  <a:off x="6096000" y="3037944"/>
-                  <a:ext cx="2160000" cy="432000"/>
-                </a:xfrm>
-                <a:prstGeom prst="rect">
-                  <a:avLst/>
-                </a:prstGeom>
-              </p:spPr>
-              <p:style>
-                <a:lnRef idx="2">
-                  <a:schemeClr val="dk1"/>
-                </a:lnRef>
-                <a:fillRef idx="1">
-                  <a:schemeClr val="lt1"/>
-                </a:fillRef>
-                <a:effectRef idx="0">
-                  <a:schemeClr val="dk1"/>
-                </a:effectRef>
-                <a:fontRef idx="minor">
-                  <a:schemeClr val="dk1"/>
-                </a:fontRef>
-              </p:style>
-              <p:txBody>
-                <a:bodyPr rtlCol="0" anchor="ctr"/>
-                <a:lstStyle/>
-                <a:p>
-                  <a:pPr algn="ctr"/>
-                  <a:r>
-                    <a:rPr lang="en-US" altLang="zh-CN" dirty="0"/>
-                    <a:t>URL</a:t>
-                  </a:r>
-                  <a:r>
-                    <a:rPr lang="zh-CN" altLang="en-US" dirty="0"/>
-                    <a:t>设置</a:t>
-                  </a:r>
-                </a:p>
-              </p:txBody>
-            </p:sp>
-          </p:grpSp>
-          <p:grpSp>
-            <p:nvGrpSpPr>
-              <p:cNvPr id="18" name="组合 17">
-                <a:extLst>
-                  <a:ext uri="{FF2B5EF4-FFF2-40B4-BE49-F238E27FC236}">
-                    <a16:creationId xmlns:a16="http://schemas.microsoft.com/office/drawing/2014/main" id="{B9AA2CB1-A250-4990-B79E-DC4AEC3D43C0}"/>
-                  </a:ext>
-                </a:extLst>
-              </p:cNvPr>
-              <p:cNvGrpSpPr/>
-              <p:nvPr/>
-            </p:nvGrpSpPr>
-            <p:grpSpPr>
-              <a:xfrm>
-                <a:off x="3357883" y="2804467"/>
-                <a:ext cx="4679682" cy="864000"/>
-                <a:chOff x="3936000" y="5213984"/>
-                <a:chExt cx="4679682" cy="864000"/>
-              </a:xfrm>
-            </p:grpSpPr>
-            <p:sp>
-              <p:nvSpPr>
-                <p:cNvPr id="17" name="左大括号 16">
-                  <a:extLst>
-                    <a:ext uri="{FF2B5EF4-FFF2-40B4-BE49-F238E27FC236}">
-                      <a16:creationId xmlns:a16="http://schemas.microsoft.com/office/drawing/2014/main" id="{3079DD57-94D5-4B3D-BBF8-3377EC6960A5}"/>
-                    </a:ext>
-                  </a:extLst>
-                </p:cNvPr>
-                <p:cNvSpPr/>
-                <p:nvPr/>
-              </p:nvSpPr>
-              <p:spPr>
-                <a:xfrm>
-                  <a:off x="6096000" y="5213984"/>
-                  <a:ext cx="359682" cy="858333"/>
-                </a:xfrm>
-                <a:prstGeom prst="leftBrace">
-                  <a:avLst>
-                    <a:gd name="adj1" fmla="val 57981"/>
-                    <a:gd name="adj2" fmla="val 50000"/>
-                  </a:avLst>
-                </a:prstGeom>
-              </p:spPr>
-              <p:style>
-                <a:lnRef idx="3">
-                  <a:schemeClr val="dk1"/>
-                </a:lnRef>
-                <a:fillRef idx="0">
-                  <a:schemeClr val="dk1"/>
-                </a:fillRef>
-                <a:effectRef idx="2">
-                  <a:schemeClr val="dk1"/>
-                </a:effectRef>
-                <a:fontRef idx="minor">
-                  <a:schemeClr val="tx1"/>
-                </a:fontRef>
-              </p:style>
-              <p:txBody>
-                <a:bodyPr rtlCol="0" anchor="ctr"/>
-                <a:lstStyle/>
-                <a:p>
-                  <a:pPr algn="ctr"/>
-                  <a:endParaRPr lang="zh-CN" altLang="en-US"/>
-                </a:p>
-              </p:txBody>
-            </p:sp>
-            <p:sp>
-              <p:nvSpPr>
-                <p:cNvPr id="10" name="矩形 9">
-                  <a:extLst>
-                    <a:ext uri="{FF2B5EF4-FFF2-40B4-BE49-F238E27FC236}">
-                      <a16:creationId xmlns:a16="http://schemas.microsoft.com/office/drawing/2014/main" id="{5D923B63-D159-494C-AE8A-C89C75B9C4A0}"/>
-                    </a:ext>
-                  </a:extLst>
-                </p:cNvPr>
-                <p:cNvSpPr/>
-                <p:nvPr/>
-              </p:nvSpPr>
-              <p:spPr>
-                <a:xfrm>
-                  <a:off x="3936000" y="5429984"/>
-                  <a:ext cx="2160000" cy="432000"/>
-                </a:xfrm>
-                <a:prstGeom prst="rect">
-                  <a:avLst/>
-                </a:prstGeom>
-              </p:spPr>
-              <p:style>
-                <a:lnRef idx="2">
-                  <a:schemeClr val="dk1"/>
-                </a:lnRef>
-                <a:fillRef idx="1">
-                  <a:schemeClr val="lt1"/>
-                </a:fillRef>
-                <a:effectRef idx="0">
-                  <a:schemeClr val="dk1"/>
-                </a:effectRef>
-                <a:fontRef idx="minor">
-                  <a:schemeClr val="dk1"/>
-                </a:fontRef>
-              </p:style>
-              <p:txBody>
-                <a:bodyPr rtlCol="0" anchor="ctr"/>
-                <a:lstStyle/>
-                <a:p>
-                  <a:pPr algn="ctr"/>
-                  <a:r>
-                    <a:rPr lang="en-US" altLang="zh-CN" dirty="0"/>
-                    <a:t>Hosts</a:t>
-                  </a:r>
-                  <a:r>
-                    <a:rPr lang="zh-CN" altLang="en-US" dirty="0"/>
-                    <a:t>文件同步设置</a:t>
-                  </a:r>
-                </a:p>
-              </p:txBody>
-            </p:sp>
-            <p:sp>
-              <p:nvSpPr>
-                <p:cNvPr id="15" name="矩形 14">
-                  <a:extLst>
-                    <a:ext uri="{FF2B5EF4-FFF2-40B4-BE49-F238E27FC236}">
-                      <a16:creationId xmlns:a16="http://schemas.microsoft.com/office/drawing/2014/main" id="{42BF5156-AF70-44E7-8AAA-68FE175FC312}"/>
-                    </a:ext>
-                  </a:extLst>
-                </p:cNvPr>
-                <p:cNvSpPr/>
-                <p:nvPr/>
-              </p:nvSpPr>
-              <p:spPr>
-                <a:xfrm>
-                  <a:off x="6455682" y="5213984"/>
-                  <a:ext cx="2160000" cy="432000"/>
-                </a:xfrm>
-                <a:prstGeom prst="rect">
-                  <a:avLst/>
-                </a:prstGeom>
-              </p:spPr>
-              <p:style>
-                <a:lnRef idx="2">
-                  <a:schemeClr val="dk1"/>
-                </a:lnRef>
-                <a:fillRef idx="1">
-                  <a:schemeClr val="lt1"/>
-                </a:fillRef>
-                <a:effectRef idx="0">
-                  <a:schemeClr val="dk1"/>
-                </a:effectRef>
-                <a:fontRef idx="minor">
-                  <a:schemeClr val="dk1"/>
-                </a:fontRef>
-              </p:style>
-              <p:txBody>
-                <a:bodyPr rtlCol="0" anchor="ctr"/>
-                <a:lstStyle/>
-                <a:p>
-                  <a:pPr algn="ctr"/>
-                  <a:r>
-                    <a:rPr lang="en-US" altLang="zh-CN" dirty="0"/>
-                    <a:t>Hosts</a:t>
-                  </a:r>
-                  <a:r>
-                    <a:rPr lang="zh-CN" altLang="en-US" dirty="0"/>
-                    <a:t>文件路径</a:t>
-                  </a:r>
-                </a:p>
-              </p:txBody>
-            </p:sp>
-            <p:sp>
-              <p:nvSpPr>
-                <p:cNvPr id="16" name="矩形 15">
-                  <a:extLst>
-                    <a:ext uri="{FF2B5EF4-FFF2-40B4-BE49-F238E27FC236}">
-                      <a16:creationId xmlns:a16="http://schemas.microsoft.com/office/drawing/2014/main" id="{5194F493-8DC8-48D6-B378-794E49C2F2E1}"/>
-                    </a:ext>
-                  </a:extLst>
-                </p:cNvPr>
-                <p:cNvSpPr/>
-                <p:nvPr/>
-              </p:nvSpPr>
-              <p:spPr>
-                <a:xfrm>
-                  <a:off x="6455682" y="5645984"/>
-                  <a:ext cx="2160000" cy="432000"/>
-                </a:xfrm>
-                <a:prstGeom prst="rect">
-                  <a:avLst/>
-                </a:prstGeom>
-              </p:spPr>
-              <p:style>
-                <a:lnRef idx="2">
-                  <a:schemeClr val="dk1"/>
-                </a:lnRef>
-                <a:fillRef idx="1">
-                  <a:schemeClr val="lt1"/>
-                </a:fillRef>
-                <a:effectRef idx="0">
-                  <a:schemeClr val="dk1"/>
-                </a:effectRef>
-                <a:fontRef idx="minor">
-                  <a:schemeClr val="dk1"/>
-                </a:fontRef>
-              </p:style>
-              <p:txBody>
-                <a:bodyPr rtlCol="0" anchor="ctr"/>
-                <a:lstStyle/>
-                <a:p>
-                  <a:pPr algn="ctr"/>
-                  <a:r>
-                    <a:rPr lang="zh-CN" altLang="en-US" dirty="0"/>
-                    <a:t>域名格式</a:t>
-                  </a:r>
-                </a:p>
-              </p:txBody>
-            </p:sp>
-          </p:grpSp>
+              <a:prstGeom prst="rect">
+                <a:avLst/>
+              </a:prstGeom>
+            </p:spPr>
+            <p:style>
+              <a:lnRef idx="2">
+                <a:schemeClr val="dk1"/>
+              </a:lnRef>
+              <a:fillRef idx="1">
+                <a:schemeClr val="lt1"/>
+              </a:fillRef>
+              <a:effectRef idx="0">
+                <a:schemeClr val="dk1"/>
+              </a:effectRef>
+              <a:fontRef idx="minor">
+                <a:schemeClr val="dk1"/>
+              </a:fontRef>
+            </p:style>
+            <p:txBody>
+              <a:bodyPr rtlCol="0" anchor="ctr"/>
+              <a:lstStyle/>
+              <a:p>
+                <a:pPr algn="ctr"/>
+                <a:r>
+                  <a:rPr lang="en-US" altLang="zh-CN" dirty="0"/>
+                  <a:t>URL</a:t>
+                </a:r>
+                <a:r>
+                  <a:rPr lang="zh-CN" altLang="en-US" dirty="0"/>
+                  <a:t>设置</a:t>
+                </a:r>
+              </a:p>
+            </p:txBody>
+          </p:sp>
         </p:grpSp>
+        <p:sp>
+          <p:nvSpPr>
+            <p:cNvPr id="26" name="箭头: 下 25">
+              <a:extLst>
+                <a:ext uri="{FF2B5EF4-FFF2-40B4-BE49-F238E27FC236}">
+                  <a16:creationId xmlns:a16="http://schemas.microsoft.com/office/drawing/2014/main" id="{B88DD10E-CE47-4E71-B87D-856661235285}"/>
+                </a:ext>
+              </a:extLst>
+            </p:cNvPr>
+            <p:cNvSpPr/>
+            <p:nvPr/>
+          </p:nvSpPr>
+          <p:spPr>
+            <a:xfrm>
+              <a:off x="1094743" y="3516692"/>
+              <a:ext cx="1646916" cy="1125698"/>
+            </a:xfrm>
+            <a:prstGeom prst="downArrow">
+              <a:avLst/>
+            </a:prstGeom>
+          </p:spPr>
+          <p:style>
+            <a:lnRef idx="2">
+              <a:schemeClr val="dk1"/>
+            </a:lnRef>
+            <a:fillRef idx="1">
+              <a:schemeClr val="lt1"/>
+            </a:fillRef>
+            <a:effectRef idx="0">
+              <a:schemeClr val="dk1"/>
+            </a:effectRef>
+            <a:fontRef idx="minor">
+              <a:schemeClr val="dk1"/>
+            </a:fontRef>
+          </p:style>
+          <p:txBody>
+            <a:bodyPr rtlCol="0" anchor="ctr"/>
+            <a:lstStyle/>
+            <a:p>
+              <a:pPr algn="ctr"/>
+              <a:r>
+                <a:rPr lang="en-US" altLang="zh-CN" dirty="0"/>
+                <a:t>reflect</a:t>
+              </a:r>
+              <a:endParaRPr lang="zh-CN" altLang="en-US" dirty="0"/>
+            </a:p>
+          </p:txBody>
+        </p:sp>
+        <p:sp>
+          <p:nvSpPr>
+            <p:cNvPr id="27" name="矩形 26">
+              <a:extLst>
+                <a:ext uri="{FF2B5EF4-FFF2-40B4-BE49-F238E27FC236}">
+                  <a16:creationId xmlns:a16="http://schemas.microsoft.com/office/drawing/2014/main" id="{5037919A-B16F-411E-8D19-CF05D48640C1}"/>
+                </a:ext>
+              </a:extLst>
+            </p:cNvPr>
+            <p:cNvSpPr/>
+            <p:nvPr/>
+          </p:nvSpPr>
+          <p:spPr>
+            <a:xfrm>
+              <a:off x="838200" y="4642390"/>
+              <a:ext cx="2160000" cy="432000"/>
+            </a:xfrm>
+            <a:prstGeom prst="rect">
+              <a:avLst/>
+            </a:prstGeom>
+          </p:spPr>
+          <p:style>
+            <a:lnRef idx="2">
+              <a:schemeClr val="dk1"/>
+            </a:lnRef>
+            <a:fillRef idx="1">
+              <a:schemeClr val="lt1"/>
+            </a:fillRef>
+            <a:effectRef idx="0">
+              <a:schemeClr val="dk1"/>
+            </a:effectRef>
+            <a:fontRef idx="minor">
+              <a:schemeClr val="dk1"/>
+            </a:fontRef>
+          </p:style>
+          <p:txBody>
+            <a:bodyPr rtlCol="0" anchor="ctr"/>
+            <a:lstStyle/>
+            <a:p>
+              <a:pPr algn="ctr"/>
+              <a:r>
+                <a:rPr lang="zh-CN" altLang="en-US" dirty="0"/>
+                <a:t>命令行参数</a:t>
+              </a:r>
+            </a:p>
+          </p:txBody>
+        </p:sp>
       </p:grpSp>
-      <p:sp>
-        <p:nvSpPr>
-          <p:cNvPr id="26" name="箭头: 下 25">
-            <a:extLst>
-              <a:ext uri="{FF2B5EF4-FFF2-40B4-BE49-F238E27FC236}">
-                <a16:creationId xmlns:a16="http://schemas.microsoft.com/office/drawing/2014/main" id="{B88DD10E-CE47-4E71-B87D-856661235285}"/>
-              </a:ext>
-            </a:extLst>
-          </p:cNvPr>
-          <p:cNvSpPr/>
-          <p:nvPr/>
-        </p:nvSpPr>
-        <p:spPr>
-          <a:xfrm>
-            <a:off x="1094743" y="3767863"/>
-            <a:ext cx="1646916" cy="1125698"/>
-          </a:xfrm>
-          <a:prstGeom prst="downArrow">
-            <a:avLst/>
-          </a:prstGeom>
-        </p:spPr>
-        <p:style>
-          <a:lnRef idx="2">
-            <a:schemeClr val="dk1"/>
-          </a:lnRef>
-          <a:fillRef idx="1">
-            <a:schemeClr val="lt1"/>
-          </a:fillRef>
-          <a:effectRef idx="0">
-            <a:schemeClr val="dk1"/>
-          </a:effectRef>
-          <a:fontRef idx="minor">
-            <a:schemeClr val="dk1"/>
-          </a:fontRef>
-        </p:style>
-        <p:txBody>
-          <a:bodyPr rtlCol="0" anchor="ctr"/>
-          <a:lstStyle/>
-          <a:p>
-            <a:pPr algn="ctr"/>
-            <a:r>
-              <a:rPr lang="en-US" altLang="zh-CN" dirty="0"/>
-              <a:t>reflect</a:t>
-            </a:r>
-            <a:endParaRPr lang="zh-CN" altLang="en-US" dirty="0"/>
-          </a:p>
-        </p:txBody>
-      </p:sp>
-      <p:sp>
-        <p:nvSpPr>
-          <p:cNvPr id="27" name="矩形 26">
-            <a:extLst>
-              <a:ext uri="{FF2B5EF4-FFF2-40B4-BE49-F238E27FC236}">
-                <a16:creationId xmlns:a16="http://schemas.microsoft.com/office/drawing/2014/main" id="{5037919A-B16F-411E-8D19-CF05D48640C1}"/>
-              </a:ext>
-            </a:extLst>
-          </p:cNvPr>
-          <p:cNvSpPr/>
-          <p:nvPr/>
-        </p:nvSpPr>
-        <p:spPr>
-          <a:xfrm>
-            <a:off x="838200" y="4893561"/>
-            <a:ext cx="2160000" cy="432000"/>
-          </a:xfrm>
-          <a:prstGeom prst="rect">
-            <a:avLst/>
-          </a:prstGeom>
-        </p:spPr>
-        <p:style>
-          <a:lnRef idx="2">
-            <a:schemeClr val="dk1"/>
-          </a:lnRef>
-          <a:fillRef idx="1">
-            <a:schemeClr val="lt1"/>
-          </a:fillRef>
-          <a:effectRef idx="0">
-            <a:schemeClr val="dk1"/>
-          </a:effectRef>
-          <a:fontRef idx="minor">
-            <a:schemeClr val="dk1"/>
-          </a:fontRef>
-        </p:style>
-        <p:txBody>
-          <a:bodyPr rtlCol="0" anchor="ctr"/>
-          <a:lstStyle/>
-          <a:p>
-            <a:pPr algn="ctr"/>
-            <a:r>
-              <a:rPr lang="zh-CN" altLang="en-US" dirty="0"/>
-              <a:t>命令行参数</a:t>
-            </a:r>
-          </a:p>
-        </p:txBody>
-      </p:sp>
       <p:sp>
         <p:nvSpPr>
           <p:cNvPr id="28" name="流程图: 顺序访问存储器 27">
@@ -5516,92 +5975,6 @@
       </p:cxnSp>
       <p:cxnSp>
         <p:nvCxnSpPr>
-          <p:cNvPr id="43" name="直接箭头连接符 42">
-            <a:extLst>
-              <a:ext uri="{FF2B5EF4-FFF2-40B4-BE49-F238E27FC236}">
-                <a16:creationId xmlns:a16="http://schemas.microsoft.com/office/drawing/2014/main" id="{239475F1-CED3-4A8D-B5B3-B9C65E406794}"/>
-              </a:ext>
-            </a:extLst>
-          </p:cNvPr>
-          <p:cNvCxnSpPr>
-            <a:cxnSpLocks/>
-            <a:stCxn id="15" idx="3"/>
-            <a:endCxn id="29" idx="1"/>
-          </p:cNvCxnSpPr>
-          <p:nvPr/>
-        </p:nvCxnSpPr>
-        <p:spPr>
-          <a:xfrm flipV="1">
-            <a:off x="8037565" y="2076052"/>
-            <a:ext cx="1067515" cy="944415"/>
-          </a:xfrm>
-          <a:prstGeom prst="straightConnector1">
-            <a:avLst/>
-          </a:prstGeom>
-          <a:ln>
-            <a:tailEnd type="triangle"/>
-          </a:ln>
-        </p:spPr>
-        <p:style>
-          <a:lnRef idx="3">
-            <a:schemeClr val="dk1"/>
-          </a:lnRef>
-          <a:fillRef idx="0">
-            <a:schemeClr val="dk1"/>
-          </a:fillRef>
-          <a:effectRef idx="2">
-            <a:schemeClr val="dk1"/>
-          </a:effectRef>
-          <a:fontRef idx="minor">
-            <a:schemeClr val="tx1"/>
-          </a:fontRef>
-        </p:style>
-      </p:cxnSp>
-      <p:cxnSp>
-        <p:nvCxnSpPr>
-          <p:cNvPr id="46" name="直接箭头连接符 45">
-            <a:extLst>
-              <a:ext uri="{FF2B5EF4-FFF2-40B4-BE49-F238E27FC236}">
-                <a16:creationId xmlns:a16="http://schemas.microsoft.com/office/drawing/2014/main" id="{B6C072A9-53EA-4FE4-9A9F-2264ED01BF61}"/>
-              </a:ext>
-            </a:extLst>
-          </p:cNvPr>
-          <p:cNvCxnSpPr>
-            <a:cxnSpLocks/>
-            <a:stCxn id="16" idx="3"/>
-            <a:endCxn id="29" idx="1"/>
-          </p:cNvCxnSpPr>
-          <p:nvPr/>
-        </p:nvCxnSpPr>
-        <p:spPr>
-          <a:xfrm flipV="1">
-            <a:off x="8037565" y="2076052"/>
-            <a:ext cx="1067515" cy="1376415"/>
-          </a:xfrm>
-          <a:prstGeom prst="straightConnector1">
-            <a:avLst/>
-          </a:prstGeom>
-          <a:ln>
-            <a:tailEnd type="triangle"/>
-          </a:ln>
-        </p:spPr>
-        <p:style>
-          <a:lnRef idx="3">
-            <a:schemeClr val="dk1"/>
-          </a:lnRef>
-          <a:fillRef idx="0">
-            <a:schemeClr val="dk1"/>
-          </a:fillRef>
-          <a:effectRef idx="2">
-            <a:schemeClr val="dk1"/>
-          </a:effectRef>
-          <a:fontRef idx="minor">
-            <a:schemeClr val="tx1"/>
-          </a:fontRef>
-        </p:style>
-      </p:cxnSp>
-      <p:cxnSp>
-        <p:nvCxnSpPr>
           <p:cNvPr id="49" name="直接箭头连接符 48">
             <a:extLst>
               <a:ext uri="{FF2B5EF4-FFF2-40B4-BE49-F238E27FC236}">
@@ -5618,8 +5991,8 @@
         </p:nvCxnSpPr>
         <p:spPr>
           <a:xfrm>
-            <a:off x="8037565" y="4946434"/>
-            <a:ext cx="1067515" cy="90652"/>
+            <a:off x="8037563" y="4262696"/>
+            <a:ext cx="1067517" cy="774390"/>
           </a:xfrm>
           <a:prstGeom prst="straightConnector1">
             <a:avLst/>
@@ -5660,9 +6033,9 @@
           <p:nvPr/>
         </p:nvCxnSpPr>
         <p:spPr>
-          <a:xfrm flipV="1">
-            <a:off x="8037565" y="5037086"/>
-            <a:ext cx="1067515" cy="341348"/>
+          <a:xfrm>
+            <a:off x="8037563" y="4694696"/>
+            <a:ext cx="1067517" cy="342390"/>
           </a:xfrm>
           <a:prstGeom prst="straightConnector1">
             <a:avLst/>
@@ -5704,8 +6077,8 @@
         </p:nvCxnSpPr>
         <p:spPr>
           <a:xfrm flipV="1">
-            <a:off x="8037565" y="2076052"/>
-            <a:ext cx="1067515" cy="1907811"/>
+            <a:off x="8037564" y="2076052"/>
+            <a:ext cx="1067516" cy="1119800"/>
           </a:xfrm>
           <a:prstGeom prst="straightConnector1">
             <a:avLst/>
@@ -5747,8 +6120,8 @@
         </p:nvCxnSpPr>
         <p:spPr>
           <a:xfrm>
-            <a:off x="8037565" y="4415863"/>
-            <a:ext cx="1067515" cy="621223"/>
+            <a:off x="8037564" y="3627852"/>
+            <a:ext cx="1067516" cy="1409234"/>
           </a:xfrm>
           <a:prstGeom prst="straightConnector1">
             <a:avLst/>

--- a/设计图.pptx
+++ b/设计图.pptx
@@ -3498,54 +3498,25 @@
       </p:grpSpPr>
       <p:sp>
         <p:nvSpPr>
-          <p:cNvPr id="2" name="标题 1">
-            <a:extLst>
-              <a:ext uri="{FF2B5EF4-FFF2-40B4-BE49-F238E27FC236}">
-                <a16:creationId xmlns:a16="http://schemas.microsoft.com/office/drawing/2014/main" id="{136A45FC-3DAE-4A92-992D-9904BD912A2B}"/>
-              </a:ext>
-            </a:extLst>
-          </p:cNvPr>
-          <p:cNvSpPr>
-            <a:spLocks noGrp="1"/>
-          </p:cNvSpPr>
-          <p:nvPr>
-            <p:ph type="title"/>
-          </p:nvPr>
-        </p:nvSpPr>
-        <p:spPr/>
-        <p:txBody>
-          <a:bodyPr/>
-          <a:lstStyle/>
-          <a:p>
-            <a:r>
-              <a:rPr lang="zh-CN" altLang="en-US" dirty="0"/>
-              <a:t>系统结构</a:t>
-            </a:r>
-          </a:p>
-        </p:txBody>
-      </p:sp>
-      <p:sp>
-        <p:nvSpPr>
-          <p:cNvPr id="5" name="流程图: 顺序访问存储器 4">
-            <a:extLst>
-              <a:ext uri="{FF2B5EF4-FFF2-40B4-BE49-F238E27FC236}">
-                <a16:creationId xmlns:a16="http://schemas.microsoft.com/office/drawing/2014/main" id="{1019A510-6242-4786-AC34-92514DA3BB16}"/>
-              </a:ext>
-            </a:extLst>
-          </p:cNvPr>
-          <p:cNvSpPr>
-            <a:spLocks noChangeAspect="1"/>
-          </p:cNvSpPr>
+          <p:cNvPr id="10" name="矩形: 圆角 9">
+            <a:extLst>
+              <a:ext uri="{FF2B5EF4-FFF2-40B4-BE49-F238E27FC236}">
+                <a16:creationId xmlns:a16="http://schemas.microsoft.com/office/drawing/2014/main" id="{842AADC4-0DBA-447A-969C-1420651C6DE1}"/>
+              </a:ext>
+            </a:extLst>
+          </p:cNvPr>
+          <p:cNvSpPr/>
           <p:nvPr/>
         </p:nvSpPr>
         <p:spPr>
           <a:xfrm>
-            <a:off x="3738880" y="2304640"/>
-            <a:ext cx="2248720" cy="2248720"/>
+            <a:off x="3398520" y="2057400"/>
+            <a:ext cx="5394960" cy="2743200"/>
           </a:xfrm>
-          <a:prstGeom prst="flowChartMagneticTape">
+          <a:prstGeom prst="roundRect">
             <a:avLst/>
           </a:prstGeom>
+          <a:noFill/>
         </p:spPr>
         <p:style>
           <a:lnRef idx="2">
@@ -3568,119 +3539,7 @@
             <a:pPr algn="ctr"/>
             <a:r>
               <a:rPr lang="zh-CN" altLang="en-US" dirty="0"/>
-              <a:t>测试服务单元</a:t>
-            </a:r>
-          </a:p>
-        </p:txBody>
-      </p:sp>
-      <p:sp>
-        <p:nvSpPr>
-          <p:cNvPr id="6" name="流程图: 顺序访问存储器 5">
-            <a:extLst>
-              <a:ext uri="{FF2B5EF4-FFF2-40B4-BE49-F238E27FC236}">
-                <a16:creationId xmlns:a16="http://schemas.microsoft.com/office/drawing/2014/main" id="{96C829CC-5BD8-4AF2-A579-40B03ACD0E18}"/>
-              </a:ext>
-            </a:extLst>
-          </p:cNvPr>
-          <p:cNvSpPr>
-            <a:spLocks noChangeAspect="1"/>
-          </p:cNvSpPr>
-          <p:nvPr/>
-        </p:nvSpPr>
-        <p:spPr>
-          <a:xfrm>
-            <a:off x="6204402" y="2304640"/>
-            <a:ext cx="2248720" cy="2248720"/>
-          </a:xfrm>
-          <a:prstGeom prst="flowChartMagneticTape">
-            <a:avLst/>
-          </a:prstGeom>
-        </p:spPr>
-        <p:style>
-          <a:lnRef idx="2">
-            <a:schemeClr val="dk1"/>
-          </a:lnRef>
-          <a:fillRef idx="1">
-            <a:schemeClr val="lt1"/>
-          </a:fillRef>
-          <a:effectRef idx="0">
-            <a:schemeClr val="dk1"/>
-          </a:effectRef>
-          <a:fontRef idx="minor">
-            <a:schemeClr val="dk1"/>
-          </a:fontRef>
-        </p:style>
-        <p:txBody>
-          <a:bodyPr rtlCol="0" anchor="t"/>
-          <a:lstStyle/>
-          <a:p>
-            <a:pPr algn="ctr"/>
-            <a:r>
-              <a:rPr lang="en-US" altLang="zh-CN" dirty="0" err="1"/>
-              <a:t>Gogisnet</a:t>
-            </a:r>
-            <a:endParaRPr lang="en-US" altLang="zh-CN" dirty="0"/>
-          </a:p>
-          <a:p>
-            <a:pPr algn="ctr"/>
-            <a:r>
-              <a:rPr lang="zh-CN" altLang="en-US" dirty="0"/>
-              <a:t>服务端</a:t>
-            </a:r>
-          </a:p>
-        </p:txBody>
-      </p:sp>
-      <p:sp>
-        <p:nvSpPr>
-          <p:cNvPr id="8" name="矩形 7">
-            <a:extLst>
-              <a:ext uri="{FF2B5EF4-FFF2-40B4-BE49-F238E27FC236}">
-                <a16:creationId xmlns:a16="http://schemas.microsoft.com/office/drawing/2014/main" id="{6D04B95D-0B3F-4EFC-80DB-F7225CEDFF2B}"/>
-              </a:ext>
-            </a:extLst>
-          </p:cNvPr>
-          <p:cNvSpPr/>
-          <p:nvPr/>
-        </p:nvSpPr>
-        <p:spPr>
-          <a:xfrm>
-            <a:off x="4202840" y="3187858"/>
-            <a:ext cx="1320800" cy="642405"/>
-          </a:xfrm>
-          <a:prstGeom prst="rect">
-            <a:avLst/>
-          </a:prstGeom>
-        </p:spPr>
-        <p:style>
-          <a:lnRef idx="2">
-            <a:schemeClr val="dk1"/>
-          </a:lnRef>
-          <a:fillRef idx="1">
-            <a:schemeClr val="lt1"/>
-          </a:fillRef>
-          <a:effectRef idx="0">
-            <a:schemeClr val="dk1"/>
-          </a:effectRef>
-          <a:fontRef idx="minor">
-            <a:schemeClr val="dk1"/>
-          </a:fontRef>
-        </p:style>
-        <p:txBody>
-          <a:bodyPr rtlCol="0" anchor="ctr"/>
-          <a:lstStyle/>
-          <a:p>
-            <a:pPr algn="ctr"/>
-            <a:r>
-              <a:rPr lang="en-US" altLang="zh-CN" dirty="0" err="1"/>
-              <a:t>Jmeter</a:t>
-            </a:r>
-            <a:endParaRPr lang="en-US" altLang="zh-CN" dirty="0"/>
-          </a:p>
-          <a:p>
-            <a:pPr algn="ctr"/>
-            <a:r>
-              <a:rPr lang="zh-CN" altLang="en-US" dirty="0"/>
-              <a:t>调度进程</a:t>
+              <a:t>主机节点程序</a:t>
             </a:r>
           </a:p>
         </p:txBody>
@@ -3743,25 +3602,54 @@
       </p:sp>
       <p:sp>
         <p:nvSpPr>
-          <p:cNvPr id="10" name="矩形: 圆角 9">
-            <a:extLst>
-              <a:ext uri="{FF2B5EF4-FFF2-40B4-BE49-F238E27FC236}">
-                <a16:creationId xmlns:a16="http://schemas.microsoft.com/office/drawing/2014/main" id="{842AADC4-0DBA-447A-969C-1420651C6DE1}"/>
-              </a:ext>
-            </a:extLst>
-          </p:cNvPr>
-          <p:cNvSpPr/>
+          <p:cNvPr id="2" name="标题 1">
+            <a:extLst>
+              <a:ext uri="{FF2B5EF4-FFF2-40B4-BE49-F238E27FC236}">
+                <a16:creationId xmlns:a16="http://schemas.microsoft.com/office/drawing/2014/main" id="{136A45FC-3DAE-4A92-992D-9904BD912A2B}"/>
+              </a:ext>
+            </a:extLst>
+          </p:cNvPr>
+          <p:cNvSpPr>
+            <a:spLocks noGrp="1"/>
+          </p:cNvSpPr>
+          <p:nvPr>
+            <p:ph type="title"/>
+          </p:nvPr>
+        </p:nvSpPr>
+        <p:spPr/>
+        <p:txBody>
+          <a:bodyPr/>
+          <a:lstStyle/>
+          <a:p>
+            <a:r>
+              <a:rPr lang="zh-CN" altLang="en-US" dirty="0"/>
+              <a:t>系统结构</a:t>
+            </a:r>
+          </a:p>
+        </p:txBody>
+      </p:sp>
+      <p:sp>
+        <p:nvSpPr>
+          <p:cNvPr id="5" name="流程图: 顺序访问存储器 4">
+            <a:extLst>
+              <a:ext uri="{FF2B5EF4-FFF2-40B4-BE49-F238E27FC236}">
+                <a16:creationId xmlns:a16="http://schemas.microsoft.com/office/drawing/2014/main" id="{1019A510-6242-4786-AC34-92514DA3BB16}"/>
+              </a:ext>
+            </a:extLst>
+          </p:cNvPr>
+          <p:cNvSpPr>
+            <a:spLocks noChangeAspect="1"/>
+          </p:cNvSpPr>
           <p:nvPr/>
         </p:nvSpPr>
         <p:spPr>
           <a:xfrm>
-            <a:off x="3398520" y="2057400"/>
-            <a:ext cx="5394960" cy="2743200"/>
+            <a:off x="3738880" y="2304640"/>
+            <a:ext cx="2248720" cy="2248720"/>
           </a:xfrm>
-          <a:prstGeom prst="roundRect">
+          <a:prstGeom prst="flowChartMagneticTape">
             <a:avLst/>
           </a:prstGeom>
-          <a:noFill/>
         </p:spPr>
         <p:style>
           <a:lnRef idx="2">
@@ -3784,7 +3672,166 @@
             <a:pPr algn="ctr"/>
             <a:r>
               <a:rPr lang="zh-CN" altLang="en-US" dirty="0"/>
-              <a:t>主机节点程序</a:t>
+              <a:t>测试服务单元</a:t>
+            </a:r>
+          </a:p>
+        </p:txBody>
+      </p:sp>
+      <p:sp>
+        <p:nvSpPr>
+          <p:cNvPr id="65" name="箭头: 右 64">
+            <a:extLst>
+              <a:ext uri="{FF2B5EF4-FFF2-40B4-BE49-F238E27FC236}">
+                <a16:creationId xmlns:a16="http://schemas.microsoft.com/office/drawing/2014/main" id="{728AEB90-91BB-4113-B0DA-35DBAA436F34}"/>
+              </a:ext>
+            </a:extLst>
+          </p:cNvPr>
+          <p:cNvSpPr/>
+          <p:nvPr/>
+        </p:nvSpPr>
+        <p:spPr>
+          <a:xfrm rot="-2700000">
+            <a:off x="7502734" y="1078549"/>
+            <a:ext cx="3103200" cy="1324800"/>
+          </a:xfrm>
+          <a:prstGeom prst="rightArrow">
+            <a:avLst/>
+          </a:prstGeom>
+        </p:spPr>
+        <p:style>
+          <a:lnRef idx="2">
+            <a:schemeClr val="dk1"/>
+          </a:lnRef>
+          <a:fillRef idx="1">
+            <a:schemeClr val="lt1"/>
+          </a:fillRef>
+          <a:effectRef idx="0">
+            <a:schemeClr val="dk1"/>
+          </a:effectRef>
+          <a:fontRef idx="minor">
+            <a:schemeClr val="dk1"/>
+          </a:fontRef>
+        </p:style>
+        <p:txBody>
+          <a:bodyPr rtlCol="0" anchor="ctr"/>
+          <a:lstStyle/>
+          <a:p>
+            <a:pPr algn="ctr"/>
+            <a:r>
+              <a:rPr lang="zh-CN" altLang="en-US" dirty="0"/>
+              <a:t>获取连接情况</a:t>
+            </a:r>
+          </a:p>
+        </p:txBody>
+      </p:sp>
+      <p:sp>
+        <p:nvSpPr>
+          <p:cNvPr id="6" name="流程图: 顺序访问存储器 5">
+            <a:extLst>
+              <a:ext uri="{FF2B5EF4-FFF2-40B4-BE49-F238E27FC236}">
+                <a16:creationId xmlns:a16="http://schemas.microsoft.com/office/drawing/2014/main" id="{96C829CC-5BD8-4AF2-A579-40B03ACD0E18}"/>
+              </a:ext>
+            </a:extLst>
+          </p:cNvPr>
+          <p:cNvSpPr>
+            <a:spLocks noChangeAspect="1"/>
+          </p:cNvSpPr>
+          <p:nvPr/>
+        </p:nvSpPr>
+        <p:spPr>
+          <a:xfrm>
+            <a:off x="6204402" y="2304640"/>
+            <a:ext cx="2248720" cy="2248720"/>
+          </a:xfrm>
+          <a:prstGeom prst="flowChartMagneticTape">
+            <a:avLst/>
+          </a:prstGeom>
+        </p:spPr>
+        <p:style>
+          <a:lnRef idx="2">
+            <a:schemeClr val="dk1"/>
+          </a:lnRef>
+          <a:fillRef idx="1">
+            <a:schemeClr val="lt1"/>
+          </a:fillRef>
+          <a:effectRef idx="0">
+            <a:schemeClr val="dk1"/>
+          </a:effectRef>
+          <a:fontRef idx="minor">
+            <a:schemeClr val="dk1"/>
+          </a:fontRef>
+        </p:style>
+        <p:txBody>
+          <a:bodyPr rtlCol="0" anchor="t"/>
+          <a:lstStyle/>
+          <a:p>
+            <a:pPr algn="ctr"/>
+            <a:r>
+              <a:rPr lang="en-US" altLang="zh-CN" dirty="0" err="1"/>
+              <a:t>Gogisnet</a:t>
+            </a:r>
+            <a:endParaRPr lang="en-US" altLang="zh-CN" dirty="0"/>
+          </a:p>
+          <a:p>
+            <a:pPr algn="ctr"/>
+            <a:r>
+              <a:rPr lang="zh-CN" altLang="en-US" dirty="0"/>
+              <a:t>服务端</a:t>
+            </a:r>
+          </a:p>
+        </p:txBody>
+      </p:sp>
+      <p:sp>
+        <p:nvSpPr>
+          <p:cNvPr id="8" name="矩形 7">
+            <a:extLst>
+              <a:ext uri="{FF2B5EF4-FFF2-40B4-BE49-F238E27FC236}">
+                <a16:creationId xmlns:a16="http://schemas.microsoft.com/office/drawing/2014/main" id="{6D04B95D-0B3F-4EFC-80DB-F7225CEDFF2B}"/>
+              </a:ext>
+            </a:extLst>
+          </p:cNvPr>
+          <p:cNvSpPr/>
+          <p:nvPr/>
+        </p:nvSpPr>
+        <p:spPr>
+          <a:xfrm>
+            <a:off x="4202840" y="3187858"/>
+            <a:ext cx="1320800" cy="642405"/>
+          </a:xfrm>
+          <a:prstGeom prst="rect">
+            <a:avLst/>
+          </a:prstGeom>
+        </p:spPr>
+        <p:style>
+          <a:lnRef idx="2">
+            <a:schemeClr val="dk1"/>
+          </a:lnRef>
+          <a:fillRef idx="1">
+            <a:schemeClr val="lt1"/>
+          </a:fillRef>
+          <a:effectRef idx="0">
+            <a:schemeClr val="dk1"/>
+          </a:effectRef>
+          <a:fontRef idx="minor">
+            <a:schemeClr val="dk1"/>
+          </a:fontRef>
+        </p:style>
+        <p:txBody>
+          <a:bodyPr rtlCol="0" anchor="ctr"/>
+          <a:lstStyle/>
+          <a:p>
+            <a:pPr algn="ctr"/>
+            <a:r>
+              <a:rPr lang="en-US" altLang="zh-CN" dirty="0" err="1"/>
+              <a:t>Jmeter</a:t>
+            </a:r>
+            <a:endParaRPr lang="en-US" altLang="zh-CN" dirty="0"/>
+          </a:p>
+          <a:p>
+            <a:pPr algn="ctr"/>
+            <a:r>
+              <a:rPr lang="zh-CN" altLang="en-US" dirty="0"/>
+              <a:t>调度进程</a:t>
             </a:r>
           </a:p>
         </p:txBody>
@@ -5912,7 +5959,8 @@
             <a:avLst/>
           </a:prstGeom>
           <a:ln>
-            <a:tailEnd type="triangle"/>
+            <a:headEnd type="none" w="med" len="med"/>
+            <a:tailEnd type="none" w="med" len="med"/>
           </a:ln>
         </p:spPr>
         <p:style>
@@ -5955,7 +6003,8 @@
             <a:avLst/>
           </a:prstGeom>
           <a:ln>
-            <a:tailEnd type="triangle"/>
+            <a:headEnd type="none" w="med" len="med"/>
+            <a:tailEnd type="none" w="med" len="med"/>
           </a:ln>
         </p:spPr>
         <p:style>
@@ -5998,7 +6047,8 @@
             <a:avLst/>
           </a:prstGeom>
           <a:ln>
-            <a:tailEnd type="triangle"/>
+            <a:headEnd type="none" w="med" len="med"/>
+            <a:tailEnd type="none" w="med" len="med"/>
           </a:ln>
         </p:spPr>
         <p:style>
@@ -6041,7 +6091,8 @@
             <a:avLst/>
           </a:prstGeom>
           <a:ln>
-            <a:tailEnd type="triangle"/>
+            <a:headEnd type="none" w="med" len="med"/>
+            <a:tailEnd type="none" w="med" len="med"/>
           </a:ln>
         </p:spPr>
         <p:style>
@@ -6084,7 +6135,8 @@
             <a:avLst/>
           </a:prstGeom>
           <a:ln>
-            <a:tailEnd type="triangle"/>
+            <a:headEnd type="none" w="med" len="med"/>
+            <a:tailEnd type="none" w="med" len="med"/>
           </a:ln>
         </p:spPr>
         <p:style>
@@ -6127,7 +6179,8 @@
             <a:avLst/>
           </a:prstGeom>
           <a:ln>
-            <a:tailEnd type="triangle"/>
+            <a:headEnd type="none" w="med" len="med"/>
+            <a:tailEnd type="none" w="med" len="med"/>
           </a:ln>
         </p:spPr>
         <p:style>

--- a/设计图.pptx
+++ b/设计图.pptx
@@ -10,7 +10,6 @@
     <p:sldId id="261" r:id="rId4"/>
     <p:sldId id="258" r:id="rId5"/>
     <p:sldId id="257" r:id="rId6"/>
-    <p:sldId id="259" r:id="rId7"/>
   </p:sldIdLst>
   <p:sldSz cx="12192000" cy="6858000"/>
   <p:notesSz cx="6858000" cy="9144000"/>
@@ -109,6 +108,11 @@
       </a:defRPr>
     </a:lvl9pPr>
   </p:defaultTextStyle>
+  <p:extLst>
+    <p:ext uri="{EFAFB233-063F-42B5-8137-9DF3F51BA10A}">
+      <p15:sldGuideLst xmlns:p15="http://schemas.microsoft.com/office/powerpoint/2012/main"/>
+    </p:ext>
+  </p:extLst>
 </p:presentation>
 </file>
 
@@ -259,7 +263,7 @@
           <a:p>
             <a:fld id="{938FF811-EDE5-4829-A7C8-DB3D1A3D08EE}" type="datetimeFigureOut">
               <a:rPr lang="zh-CN" altLang="en-US" smtClean="0"/>
-              <a:t>2020/3/23</a:t>
+              <a:t>2020/3/26</a:t>
             </a:fld>
             <a:endParaRPr lang="zh-CN" altLang="en-US"/>
           </a:p>
@@ -457,7 +461,7 @@
           <a:p>
             <a:fld id="{938FF811-EDE5-4829-A7C8-DB3D1A3D08EE}" type="datetimeFigureOut">
               <a:rPr lang="zh-CN" altLang="en-US" smtClean="0"/>
-              <a:t>2020/3/23</a:t>
+              <a:t>2020/3/26</a:t>
             </a:fld>
             <a:endParaRPr lang="zh-CN" altLang="en-US"/>
           </a:p>
@@ -665,7 +669,7 @@
           <a:p>
             <a:fld id="{938FF811-EDE5-4829-A7C8-DB3D1A3D08EE}" type="datetimeFigureOut">
               <a:rPr lang="zh-CN" altLang="en-US" smtClean="0"/>
-              <a:t>2020/3/23</a:t>
+              <a:t>2020/3/26</a:t>
             </a:fld>
             <a:endParaRPr lang="zh-CN" altLang="en-US"/>
           </a:p>
@@ -863,7 +867,7 @@
           <a:p>
             <a:fld id="{938FF811-EDE5-4829-A7C8-DB3D1A3D08EE}" type="datetimeFigureOut">
               <a:rPr lang="zh-CN" altLang="en-US" smtClean="0"/>
-              <a:t>2020/3/23</a:t>
+              <a:t>2020/3/26</a:t>
             </a:fld>
             <a:endParaRPr lang="zh-CN" altLang="en-US"/>
           </a:p>
@@ -1138,7 +1142,7 @@
           <a:p>
             <a:fld id="{938FF811-EDE5-4829-A7C8-DB3D1A3D08EE}" type="datetimeFigureOut">
               <a:rPr lang="zh-CN" altLang="en-US" smtClean="0"/>
-              <a:t>2020/3/23</a:t>
+              <a:t>2020/3/26</a:t>
             </a:fld>
             <a:endParaRPr lang="zh-CN" altLang="en-US"/>
           </a:p>
@@ -1403,7 +1407,7 @@
           <a:p>
             <a:fld id="{938FF811-EDE5-4829-A7C8-DB3D1A3D08EE}" type="datetimeFigureOut">
               <a:rPr lang="zh-CN" altLang="en-US" smtClean="0"/>
-              <a:t>2020/3/23</a:t>
+              <a:t>2020/3/26</a:t>
             </a:fld>
             <a:endParaRPr lang="zh-CN" altLang="en-US"/>
           </a:p>
@@ -1815,7 +1819,7 @@
           <a:p>
             <a:fld id="{938FF811-EDE5-4829-A7C8-DB3D1A3D08EE}" type="datetimeFigureOut">
               <a:rPr lang="zh-CN" altLang="en-US" smtClean="0"/>
-              <a:t>2020/3/23</a:t>
+              <a:t>2020/3/26</a:t>
             </a:fld>
             <a:endParaRPr lang="zh-CN" altLang="en-US"/>
           </a:p>
@@ -1956,7 +1960,7 @@
           <a:p>
             <a:fld id="{938FF811-EDE5-4829-A7C8-DB3D1A3D08EE}" type="datetimeFigureOut">
               <a:rPr lang="zh-CN" altLang="en-US" smtClean="0"/>
-              <a:t>2020/3/23</a:t>
+              <a:t>2020/3/26</a:t>
             </a:fld>
             <a:endParaRPr lang="zh-CN" altLang="en-US"/>
           </a:p>
@@ -2069,7 +2073,7 @@
           <a:p>
             <a:fld id="{938FF811-EDE5-4829-A7C8-DB3D1A3D08EE}" type="datetimeFigureOut">
               <a:rPr lang="zh-CN" altLang="en-US" smtClean="0"/>
-              <a:t>2020/3/23</a:t>
+              <a:t>2020/3/26</a:t>
             </a:fld>
             <a:endParaRPr lang="zh-CN" altLang="en-US"/>
           </a:p>
@@ -2380,7 +2384,7 @@
           <a:p>
             <a:fld id="{938FF811-EDE5-4829-A7C8-DB3D1A3D08EE}" type="datetimeFigureOut">
               <a:rPr lang="zh-CN" altLang="en-US" smtClean="0"/>
-              <a:t>2020/3/23</a:t>
+              <a:t>2020/3/26</a:t>
             </a:fld>
             <a:endParaRPr lang="zh-CN" altLang="en-US"/>
           </a:p>
@@ -2668,7 +2672,7 @@
           <a:p>
             <a:fld id="{938FF811-EDE5-4829-A7C8-DB3D1A3D08EE}" type="datetimeFigureOut">
               <a:rPr lang="zh-CN" altLang="en-US" smtClean="0"/>
-              <a:t>2020/3/23</a:t>
+              <a:t>2020/3/26</a:t>
             </a:fld>
             <a:endParaRPr lang="zh-CN" altLang="en-US"/>
           </a:p>
@@ -2909,7 +2913,7 @@
           <a:p>
             <a:fld id="{938FF811-EDE5-4829-A7C8-DB3D1A3D08EE}" type="datetimeFigureOut">
               <a:rPr lang="zh-CN" altLang="en-US" smtClean="0"/>
-              <a:t>2020/3/23</a:t>
+              <a:t>2020/3/26</a:t>
             </a:fld>
             <a:endParaRPr lang="zh-CN" altLang="en-US"/>
           </a:p>
@@ -6211,86 +6215,6 @@
 </p:sld>
 </file>
 
-<file path=ppt/slides/slide6.xml><?xml version="1.0" encoding="utf-8"?>
-<p:sld xmlns:a="http://schemas.openxmlformats.org/drawingml/2006/main" xmlns:r="http://schemas.openxmlformats.org/officeDocument/2006/relationships" xmlns:p="http://schemas.openxmlformats.org/presentationml/2006/main">
-  <p:cSld>
-    <p:spTree>
-      <p:nvGrpSpPr>
-        <p:cNvPr id="1" name=""/>
-        <p:cNvGrpSpPr/>
-        <p:nvPr/>
-      </p:nvGrpSpPr>
-      <p:grpSpPr>
-        <a:xfrm>
-          <a:off x="0" y="0"/>
-          <a:ext cx="0" cy="0"/>
-          <a:chOff x="0" y="0"/>
-          <a:chExt cx="0" cy="0"/>
-        </a:xfrm>
-      </p:grpSpPr>
-      <p:sp>
-        <p:nvSpPr>
-          <p:cNvPr id="2" name="标题 1">
-            <a:extLst>
-              <a:ext uri="{FF2B5EF4-FFF2-40B4-BE49-F238E27FC236}">
-                <a16:creationId xmlns:a16="http://schemas.microsoft.com/office/drawing/2014/main" id="{136A45FC-3DAE-4A92-992D-9904BD912A2B}"/>
-              </a:ext>
-            </a:extLst>
-          </p:cNvPr>
-          <p:cNvSpPr>
-            <a:spLocks noGrp="1"/>
-          </p:cNvSpPr>
-          <p:nvPr>
-            <p:ph type="title"/>
-          </p:nvPr>
-        </p:nvSpPr>
-        <p:spPr/>
-        <p:txBody>
-          <a:bodyPr/>
-          <a:lstStyle/>
-          <a:p>
-            <a:endParaRPr lang="zh-CN" altLang="en-US" dirty="0"/>
-          </a:p>
-        </p:txBody>
-      </p:sp>
-      <p:sp>
-        <p:nvSpPr>
-          <p:cNvPr id="3" name="内容占位符 2">
-            <a:extLst>
-              <a:ext uri="{FF2B5EF4-FFF2-40B4-BE49-F238E27FC236}">
-                <a16:creationId xmlns:a16="http://schemas.microsoft.com/office/drawing/2014/main" id="{7FC2DE07-C0D9-4571-898A-A2B83E81F9DF}"/>
-              </a:ext>
-            </a:extLst>
-          </p:cNvPr>
-          <p:cNvSpPr>
-            <a:spLocks noGrp="1"/>
-          </p:cNvSpPr>
-          <p:nvPr>
-            <p:ph idx="1"/>
-          </p:nvPr>
-        </p:nvSpPr>
-        <p:spPr/>
-        <p:txBody>
-          <a:bodyPr/>
-          <a:lstStyle/>
-          <a:p>
-            <a:endParaRPr lang="zh-CN" altLang="en-US"/>
-          </a:p>
-        </p:txBody>
-      </p:sp>
-    </p:spTree>
-    <p:extLst>
-      <p:ext uri="{BB962C8B-B14F-4D97-AF65-F5344CB8AC3E}">
-        <p14:creationId xmlns:p14="http://schemas.microsoft.com/office/powerpoint/2010/main" val="2695946876"/>
-      </p:ext>
-    </p:extLst>
-  </p:cSld>
-  <p:clrMapOvr>
-    <a:masterClrMapping/>
-  </p:clrMapOvr>
-</p:sld>
-</file>
-
 <file path=ppt/theme/theme1.xml><?xml version="1.0" encoding="utf-8"?>
 <a:theme xmlns:a="http://schemas.openxmlformats.org/drawingml/2006/main" name="Office 主题​​">
   <a:themeElements>

--- a/设计图.pptx
+++ b/设计图.pptx
@@ -263,7 +263,7 @@
           <a:p>
             <a:fld id="{938FF811-EDE5-4829-A7C8-DB3D1A3D08EE}" type="datetimeFigureOut">
               <a:rPr lang="zh-CN" altLang="en-US" smtClean="0"/>
-              <a:t>2020/3/26</a:t>
+              <a:t>2020/4/6</a:t>
             </a:fld>
             <a:endParaRPr lang="zh-CN" altLang="en-US"/>
           </a:p>
@@ -461,7 +461,7 @@
           <a:p>
             <a:fld id="{938FF811-EDE5-4829-A7C8-DB3D1A3D08EE}" type="datetimeFigureOut">
               <a:rPr lang="zh-CN" altLang="en-US" smtClean="0"/>
-              <a:t>2020/3/26</a:t>
+              <a:t>2020/4/6</a:t>
             </a:fld>
             <a:endParaRPr lang="zh-CN" altLang="en-US"/>
           </a:p>
@@ -669,7 +669,7 @@
           <a:p>
             <a:fld id="{938FF811-EDE5-4829-A7C8-DB3D1A3D08EE}" type="datetimeFigureOut">
               <a:rPr lang="zh-CN" altLang="en-US" smtClean="0"/>
-              <a:t>2020/3/26</a:t>
+              <a:t>2020/4/6</a:t>
             </a:fld>
             <a:endParaRPr lang="zh-CN" altLang="en-US"/>
           </a:p>
@@ -867,7 +867,7 @@
           <a:p>
             <a:fld id="{938FF811-EDE5-4829-A7C8-DB3D1A3D08EE}" type="datetimeFigureOut">
               <a:rPr lang="zh-CN" altLang="en-US" smtClean="0"/>
-              <a:t>2020/3/26</a:t>
+              <a:t>2020/4/6</a:t>
             </a:fld>
             <a:endParaRPr lang="zh-CN" altLang="en-US"/>
           </a:p>
@@ -1142,7 +1142,7 @@
           <a:p>
             <a:fld id="{938FF811-EDE5-4829-A7C8-DB3D1A3D08EE}" type="datetimeFigureOut">
               <a:rPr lang="zh-CN" altLang="en-US" smtClean="0"/>
-              <a:t>2020/3/26</a:t>
+              <a:t>2020/4/6</a:t>
             </a:fld>
             <a:endParaRPr lang="zh-CN" altLang="en-US"/>
           </a:p>
@@ -1407,7 +1407,7 @@
           <a:p>
             <a:fld id="{938FF811-EDE5-4829-A7C8-DB3D1A3D08EE}" type="datetimeFigureOut">
               <a:rPr lang="zh-CN" altLang="en-US" smtClean="0"/>
-              <a:t>2020/3/26</a:t>
+              <a:t>2020/4/6</a:t>
             </a:fld>
             <a:endParaRPr lang="zh-CN" altLang="en-US"/>
           </a:p>
@@ -1819,7 +1819,7 @@
           <a:p>
             <a:fld id="{938FF811-EDE5-4829-A7C8-DB3D1A3D08EE}" type="datetimeFigureOut">
               <a:rPr lang="zh-CN" altLang="en-US" smtClean="0"/>
-              <a:t>2020/3/26</a:t>
+              <a:t>2020/4/6</a:t>
             </a:fld>
             <a:endParaRPr lang="zh-CN" altLang="en-US"/>
           </a:p>
@@ -1960,7 +1960,7 @@
           <a:p>
             <a:fld id="{938FF811-EDE5-4829-A7C8-DB3D1A3D08EE}" type="datetimeFigureOut">
               <a:rPr lang="zh-CN" altLang="en-US" smtClean="0"/>
-              <a:t>2020/3/26</a:t>
+              <a:t>2020/4/6</a:t>
             </a:fld>
             <a:endParaRPr lang="zh-CN" altLang="en-US"/>
           </a:p>
@@ -2073,7 +2073,7 @@
           <a:p>
             <a:fld id="{938FF811-EDE5-4829-A7C8-DB3D1A3D08EE}" type="datetimeFigureOut">
               <a:rPr lang="zh-CN" altLang="en-US" smtClean="0"/>
-              <a:t>2020/3/26</a:t>
+              <a:t>2020/4/6</a:t>
             </a:fld>
             <a:endParaRPr lang="zh-CN" altLang="en-US"/>
           </a:p>
@@ -2384,7 +2384,7 @@
           <a:p>
             <a:fld id="{938FF811-EDE5-4829-A7C8-DB3D1A3D08EE}" type="datetimeFigureOut">
               <a:rPr lang="zh-CN" altLang="en-US" smtClean="0"/>
-              <a:t>2020/3/26</a:t>
+              <a:t>2020/4/6</a:t>
             </a:fld>
             <a:endParaRPr lang="zh-CN" altLang="en-US"/>
           </a:p>
@@ -2672,7 +2672,7 @@
           <a:p>
             <a:fld id="{938FF811-EDE5-4829-A7C8-DB3D1A3D08EE}" type="datetimeFigureOut">
               <a:rPr lang="zh-CN" altLang="en-US" smtClean="0"/>
-              <a:t>2020/3/26</a:t>
+              <a:t>2020/4/6</a:t>
             </a:fld>
             <a:endParaRPr lang="zh-CN" altLang="en-US"/>
           </a:p>
@@ -2913,7 +2913,7 @@
           <a:p>
             <a:fld id="{938FF811-EDE5-4829-A7C8-DB3D1A3D08EE}" type="datetimeFigureOut">
               <a:rPr lang="zh-CN" altLang="en-US" smtClean="0"/>
-              <a:t>2020/3/26</a:t>
+              <a:t>2020/4/6</a:t>
             </a:fld>
             <a:endParaRPr lang="zh-CN" altLang="en-US"/>
           </a:p>
@@ -3600,289 +3600,6 @@
             <a:r>
               <a:rPr lang="zh-CN" altLang="en-US" dirty="0"/>
               <a:t>容器</a:t>
-            </a:r>
-          </a:p>
-        </p:txBody>
-      </p:sp>
-      <p:sp>
-        <p:nvSpPr>
-          <p:cNvPr id="2" name="标题 1">
-            <a:extLst>
-              <a:ext uri="{FF2B5EF4-FFF2-40B4-BE49-F238E27FC236}">
-                <a16:creationId xmlns:a16="http://schemas.microsoft.com/office/drawing/2014/main" id="{136A45FC-3DAE-4A92-992D-9904BD912A2B}"/>
-              </a:ext>
-            </a:extLst>
-          </p:cNvPr>
-          <p:cNvSpPr>
-            <a:spLocks noGrp="1"/>
-          </p:cNvSpPr>
-          <p:nvPr>
-            <p:ph type="title"/>
-          </p:nvPr>
-        </p:nvSpPr>
-        <p:spPr/>
-        <p:txBody>
-          <a:bodyPr/>
-          <a:lstStyle/>
-          <a:p>
-            <a:r>
-              <a:rPr lang="zh-CN" altLang="en-US" dirty="0"/>
-              <a:t>系统结构</a:t>
-            </a:r>
-          </a:p>
-        </p:txBody>
-      </p:sp>
-      <p:sp>
-        <p:nvSpPr>
-          <p:cNvPr id="5" name="流程图: 顺序访问存储器 4">
-            <a:extLst>
-              <a:ext uri="{FF2B5EF4-FFF2-40B4-BE49-F238E27FC236}">
-                <a16:creationId xmlns:a16="http://schemas.microsoft.com/office/drawing/2014/main" id="{1019A510-6242-4786-AC34-92514DA3BB16}"/>
-              </a:ext>
-            </a:extLst>
-          </p:cNvPr>
-          <p:cNvSpPr>
-            <a:spLocks noChangeAspect="1"/>
-          </p:cNvSpPr>
-          <p:nvPr/>
-        </p:nvSpPr>
-        <p:spPr>
-          <a:xfrm>
-            <a:off x="3738880" y="2304640"/>
-            <a:ext cx="2248720" cy="2248720"/>
-          </a:xfrm>
-          <a:prstGeom prst="flowChartMagneticTape">
-            <a:avLst/>
-          </a:prstGeom>
-        </p:spPr>
-        <p:style>
-          <a:lnRef idx="2">
-            <a:schemeClr val="dk1"/>
-          </a:lnRef>
-          <a:fillRef idx="1">
-            <a:schemeClr val="lt1"/>
-          </a:fillRef>
-          <a:effectRef idx="0">
-            <a:schemeClr val="dk1"/>
-          </a:effectRef>
-          <a:fontRef idx="minor">
-            <a:schemeClr val="dk1"/>
-          </a:fontRef>
-        </p:style>
-        <p:txBody>
-          <a:bodyPr rtlCol="0" anchor="t"/>
-          <a:lstStyle/>
-          <a:p>
-            <a:pPr algn="ctr"/>
-            <a:r>
-              <a:rPr lang="zh-CN" altLang="en-US" dirty="0"/>
-              <a:t>测试服务单元</a:t>
-            </a:r>
-          </a:p>
-        </p:txBody>
-      </p:sp>
-      <p:sp>
-        <p:nvSpPr>
-          <p:cNvPr id="65" name="箭头: 右 64">
-            <a:extLst>
-              <a:ext uri="{FF2B5EF4-FFF2-40B4-BE49-F238E27FC236}">
-                <a16:creationId xmlns:a16="http://schemas.microsoft.com/office/drawing/2014/main" id="{728AEB90-91BB-4113-B0DA-35DBAA436F34}"/>
-              </a:ext>
-            </a:extLst>
-          </p:cNvPr>
-          <p:cNvSpPr/>
-          <p:nvPr/>
-        </p:nvSpPr>
-        <p:spPr>
-          <a:xfrm rot="-2700000">
-            <a:off x="7502734" y="1078549"/>
-            <a:ext cx="3103200" cy="1324800"/>
-          </a:xfrm>
-          <a:prstGeom prst="rightArrow">
-            <a:avLst/>
-          </a:prstGeom>
-        </p:spPr>
-        <p:style>
-          <a:lnRef idx="2">
-            <a:schemeClr val="dk1"/>
-          </a:lnRef>
-          <a:fillRef idx="1">
-            <a:schemeClr val="lt1"/>
-          </a:fillRef>
-          <a:effectRef idx="0">
-            <a:schemeClr val="dk1"/>
-          </a:effectRef>
-          <a:fontRef idx="minor">
-            <a:schemeClr val="dk1"/>
-          </a:fontRef>
-        </p:style>
-        <p:txBody>
-          <a:bodyPr rtlCol="0" anchor="ctr"/>
-          <a:lstStyle/>
-          <a:p>
-            <a:pPr algn="ctr"/>
-            <a:r>
-              <a:rPr lang="zh-CN" altLang="en-US" dirty="0"/>
-              <a:t>获取连接情况</a:t>
-            </a:r>
-          </a:p>
-        </p:txBody>
-      </p:sp>
-      <p:sp>
-        <p:nvSpPr>
-          <p:cNvPr id="6" name="流程图: 顺序访问存储器 5">
-            <a:extLst>
-              <a:ext uri="{FF2B5EF4-FFF2-40B4-BE49-F238E27FC236}">
-                <a16:creationId xmlns:a16="http://schemas.microsoft.com/office/drawing/2014/main" id="{96C829CC-5BD8-4AF2-A579-40B03ACD0E18}"/>
-              </a:ext>
-            </a:extLst>
-          </p:cNvPr>
-          <p:cNvSpPr>
-            <a:spLocks noChangeAspect="1"/>
-          </p:cNvSpPr>
-          <p:nvPr/>
-        </p:nvSpPr>
-        <p:spPr>
-          <a:xfrm>
-            <a:off x="6204402" y="2304640"/>
-            <a:ext cx="2248720" cy="2248720"/>
-          </a:xfrm>
-          <a:prstGeom prst="flowChartMagneticTape">
-            <a:avLst/>
-          </a:prstGeom>
-        </p:spPr>
-        <p:style>
-          <a:lnRef idx="2">
-            <a:schemeClr val="dk1"/>
-          </a:lnRef>
-          <a:fillRef idx="1">
-            <a:schemeClr val="lt1"/>
-          </a:fillRef>
-          <a:effectRef idx="0">
-            <a:schemeClr val="dk1"/>
-          </a:effectRef>
-          <a:fontRef idx="minor">
-            <a:schemeClr val="dk1"/>
-          </a:fontRef>
-        </p:style>
-        <p:txBody>
-          <a:bodyPr rtlCol="0" anchor="t"/>
-          <a:lstStyle/>
-          <a:p>
-            <a:pPr algn="ctr"/>
-            <a:r>
-              <a:rPr lang="en-US" altLang="zh-CN" dirty="0" err="1"/>
-              <a:t>Gogisnet</a:t>
-            </a:r>
-            <a:endParaRPr lang="en-US" altLang="zh-CN" dirty="0"/>
-          </a:p>
-          <a:p>
-            <a:pPr algn="ctr"/>
-            <a:r>
-              <a:rPr lang="zh-CN" altLang="en-US" dirty="0"/>
-              <a:t>服务端</a:t>
-            </a:r>
-          </a:p>
-        </p:txBody>
-      </p:sp>
-      <p:sp>
-        <p:nvSpPr>
-          <p:cNvPr id="8" name="矩形 7">
-            <a:extLst>
-              <a:ext uri="{FF2B5EF4-FFF2-40B4-BE49-F238E27FC236}">
-                <a16:creationId xmlns:a16="http://schemas.microsoft.com/office/drawing/2014/main" id="{6D04B95D-0B3F-4EFC-80DB-F7225CEDFF2B}"/>
-              </a:ext>
-            </a:extLst>
-          </p:cNvPr>
-          <p:cNvSpPr/>
-          <p:nvPr/>
-        </p:nvSpPr>
-        <p:spPr>
-          <a:xfrm>
-            <a:off x="4202840" y="3187858"/>
-            <a:ext cx="1320800" cy="642405"/>
-          </a:xfrm>
-          <a:prstGeom prst="rect">
-            <a:avLst/>
-          </a:prstGeom>
-        </p:spPr>
-        <p:style>
-          <a:lnRef idx="2">
-            <a:schemeClr val="dk1"/>
-          </a:lnRef>
-          <a:fillRef idx="1">
-            <a:schemeClr val="lt1"/>
-          </a:fillRef>
-          <a:effectRef idx="0">
-            <a:schemeClr val="dk1"/>
-          </a:effectRef>
-          <a:fontRef idx="minor">
-            <a:schemeClr val="dk1"/>
-          </a:fontRef>
-        </p:style>
-        <p:txBody>
-          <a:bodyPr rtlCol="0" anchor="ctr"/>
-          <a:lstStyle/>
-          <a:p>
-            <a:pPr algn="ctr"/>
-            <a:r>
-              <a:rPr lang="en-US" altLang="zh-CN" dirty="0" err="1"/>
-              <a:t>Jmeter</a:t>
-            </a:r>
-            <a:endParaRPr lang="en-US" altLang="zh-CN" dirty="0"/>
-          </a:p>
-          <a:p>
-            <a:pPr algn="ctr"/>
-            <a:r>
-              <a:rPr lang="zh-CN" altLang="en-US" dirty="0"/>
-              <a:t>调度进程</a:t>
-            </a:r>
-          </a:p>
-        </p:txBody>
-      </p:sp>
-      <p:sp>
-        <p:nvSpPr>
-          <p:cNvPr id="22" name="箭头: 左右 21">
-            <a:extLst>
-              <a:ext uri="{FF2B5EF4-FFF2-40B4-BE49-F238E27FC236}">
-                <a16:creationId xmlns:a16="http://schemas.microsoft.com/office/drawing/2014/main" id="{A6EF9615-2946-4616-B0C0-32F2D90EA9FA}"/>
-              </a:ext>
-            </a:extLst>
-          </p:cNvPr>
-          <p:cNvSpPr/>
-          <p:nvPr/>
-        </p:nvSpPr>
-        <p:spPr>
-          <a:xfrm>
-            <a:off x="637378" y="2766219"/>
-            <a:ext cx="3101502" cy="1325561"/>
-          </a:xfrm>
-          <a:prstGeom prst="leftRightArrow">
-            <a:avLst/>
-          </a:prstGeom>
-        </p:spPr>
-        <p:style>
-          <a:lnRef idx="2">
-            <a:schemeClr val="dk1"/>
-          </a:lnRef>
-          <a:fillRef idx="1">
-            <a:schemeClr val="lt1"/>
-          </a:fillRef>
-          <a:effectRef idx="0">
-            <a:schemeClr val="dk1"/>
-          </a:effectRef>
-          <a:fontRef idx="minor">
-            <a:schemeClr val="dk1"/>
-          </a:fontRef>
-        </p:style>
-        <p:txBody>
-          <a:bodyPr rtlCol="0" anchor="ctr"/>
-          <a:lstStyle/>
-          <a:p>
-            <a:pPr algn="ctr"/>
-            <a:r>
-              <a:rPr lang="zh-CN" altLang="en-US" dirty="0"/>
-              <a:t>处理测试请求</a:t>
             </a:r>
           </a:p>
         </p:txBody>
@@ -4652,16 +4369,24 @@
               <a:p>
                 <a:pPr algn="ctr"/>
                 <a:r>
-                  <a:rPr lang="zh-CN" altLang="en-US" dirty="0"/>
-                  <a:t>客户端发送自身</a:t>
-                </a:r>
-                <a:r>
-                  <a:rPr lang="en-US" altLang="zh-CN" dirty="0"/>
-                  <a:t>IP</a:t>
+                  <a:rPr lang="en-US" altLang="zh-CN" dirty="0" err="1"/>
+                  <a:t>Jmeter</a:t>
                 </a:r>
                 <a:r>
                   <a:rPr lang="zh-CN" altLang="en-US" dirty="0"/>
-                  <a:t>地址</a:t>
+                  <a:t>服务器</a:t>
+                </a:r>
+                <a:endParaRPr lang="en-US" altLang="zh-CN" dirty="0"/>
+              </a:p>
+              <a:p>
+                <a:pPr algn="ctr"/>
+                <a:r>
+                  <a:rPr lang="en-US" altLang="zh-CN" dirty="0"/>
+                  <a:t>TCP</a:t>
+                </a:r>
+                <a:r>
+                  <a:rPr lang="zh-CN" altLang="en-US" dirty="0"/>
+                  <a:t>地址表</a:t>
                 </a:r>
               </a:p>
             </p:txBody>
@@ -4728,6 +4453,333 @@
           </p:txBody>
         </p:sp>
       </p:grpSp>
+      <p:sp>
+        <p:nvSpPr>
+          <p:cNvPr id="2" name="标题 1">
+            <a:extLst>
+              <a:ext uri="{FF2B5EF4-FFF2-40B4-BE49-F238E27FC236}">
+                <a16:creationId xmlns:a16="http://schemas.microsoft.com/office/drawing/2014/main" id="{136A45FC-3DAE-4A92-992D-9904BD912A2B}"/>
+              </a:ext>
+            </a:extLst>
+          </p:cNvPr>
+          <p:cNvSpPr>
+            <a:spLocks noGrp="1"/>
+          </p:cNvSpPr>
+          <p:nvPr>
+            <p:ph type="title"/>
+          </p:nvPr>
+        </p:nvSpPr>
+        <p:spPr/>
+        <p:txBody>
+          <a:bodyPr/>
+          <a:lstStyle/>
+          <a:p>
+            <a:r>
+              <a:rPr lang="zh-CN" altLang="en-US" dirty="0"/>
+              <a:t>系统结构</a:t>
+            </a:r>
+          </a:p>
+        </p:txBody>
+      </p:sp>
+      <p:sp>
+        <p:nvSpPr>
+          <p:cNvPr id="5" name="流程图: 顺序访问存储器 4">
+            <a:extLst>
+              <a:ext uri="{FF2B5EF4-FFF2-40B4-BE49-F238E27FC236}">
+                <a16:creationId xmlns:a16="http://schemas.microsoft.com/office/drawing/2014/main" id="{1019A510-6242-4786-AC34-92514DA3BB16}"/>
+              </a:ext>
+            </a:extLst>
+          </p:cNvPr>
+          <p:cNvSpPr>
+            <a:spLocks noChangeAspect="1"/>
+          </p:cNvSpPr>
+          <p:nvPr/>
+        </p:nvSpPr>
+        <p:spPr>
+          <a:xfrm>
+            <a:off x="3738880" y="2304640"/>
+            <a:ext cx="2248720" cy="2248720"/>
+          </a:xfrm>
+          <a:prstGeom prst="flowChartMagneticTape">
+            <a:avLst/>
+          </a:prstGeom>
+        </p:spPr>
+        <p:style>
+          <a:lnRef idx="2">
+            <a:schemeClr val="dk1"/>
+          </a:lnRef>
+          <a:fillRef idx="1">
+            <a:schemeClr val="lt1"/>
+          </a:fillRef>
+          <a:effectRef idx="0">
+            <a:schemeClr val="dk1"/>
+          </a:effectRef>
+          <a:fontRef idx="minor">
+            <a:schemeClr val="dk1"/>
+          </a:fontRef>
+        </p:style>
+        <p:txBody>
+          <a:bodyPr rtlCol="0" anchor="t"/>
+          <a:lstStyle/>
+          <a:p>
+            <a:pPr algn="ctr"/>
+            <a:r>
+              <a:rPr lang="zh-CN" altLang="en-US" dirty="0"/>
+              <a:t>测试服务单元</a:t>
+            </a:r>
+          </a:p>
+        </p:txBody>
+      </p:sp>
+      <p:sp>
+        <p:nvSpPr>
+          <p:cNvPr id="65" name="箭头: 右 64">
+            <a:extLst>
+              <a:ext uri="{FF2B5EF4-FFF2-40B4-BE49-F238E27FC236}">
+                <a16:creationId xmlns:a16="http://schemas.microsoft.com/office/drawing/2014/main" id="{728AEB90-91BB-4113-B0DA-35DBAA436F34}"/>
+              </a:ext>
+            </a:extLst>
+          </p:cNvPr>
+          <p:cNvSpPr/>
+          <p:nvPr/>
+        </p:nvSpPr>
+        <p:spPr>
+          <a:xfrm rot="-2700000">
+            <a:off x="7502734" y="1078549"/>
+            <a:ext cx="3103200" cy="1324800"/>
+          </a:xfrm>
+          <a:prstGeom prst="rightArrow">
+            <a:avLst/>
+          </a:prstGeom>
+        </p:spPr>
+        <p:style>
+          <a:lnRef idx="2">
+            <a:schemeClr val="dk1"/>
+          </a:lnRef>
+          <a:fillRef idx="1">
+            <a:schemeClr val="lt1"/>
+          </a:fillRef>
+          <a:effectRef idx="0">
+            <a:schemeClr val="dk1"/>
+          </a:effectRef>
+          <a:fontRef idx="minor">
+            <a:schemeClr val="dk1"/>
+          </a:fontRef>
+        </p:style>
+        <p:txBody>
+          <a:bodyPr rtlCol="0" anchor="ctr"/>
+          <a:lstStyle/>
+          <a:p>
+            <a:pPr algn="ctr"/>
+            <a:r>
+              <a:rPr lang="zh-CN" altLang="en-US" dirty="0"/>
+              <a:t>获取连接情况</a:t>
+            </a:r>
+          </a:p>
+        </p:txBody>
+      </p:sp>
+      <p:sp>
+        <p:nvSpPr>
+          <p:cNvPr id="7" name="箭头: 直角上 6">
+            <a:extLst>
+              <a:ext uri="{FF2B5EF4-FFF2-40B4-BE49-F238E27FC236}">
+                <a16:creationId xmlns:a16="http://schemas.microsoft.com/office/drawing/2014/main" id="{C9BFA153-05BC-4988-88F3-8EB9BBD5DE5B}"/>
+              </a:ext>
+            </a:extLst>
+          </p:cNvPr>
+          <p:cNvSpPr/>
+          <p:nvPr/>
+        </p:nvSpPr>
+        <p:spPr>
+          <a:xfrm rot="5400000">
+            <a:off x="7911588" y="3039695"/>
+            <a:ext cx="1606063" cy="3042679"/>
+          </a:xfrm>
+          <a:prstGeom prst="bentUpArrow">
+            <a:avLst/>
+          </a:prstGeom>
+        </p:spPr>
+        <p:style>
+          <a:lnRef idx="2">
+            <a:schemeClr val="dk1"/>
+          </a:lnRef>
+          <a:fillRef idx="1">
+            <a:schemeClr val="lt1"/>
+          </a:fillRef>
+          <a:effectRef idx="0">
+            <a:schemeClr val="dk1"/>
+          </a:effectRef>
+          <a:fontRef idx="minor">
+            <a:schemeClr val="dk1"/>
+          </a:fontRef>
+        </p:style>
+        <p:txBody>
+          <a:bodyPr rtlCol="0" anchor="ctr"/>
+          <a:lstStyle/>
+          <a:p>
+            <a:pPr algn="ctr"/>
+            <a:endParaRPr lang="zh-CN" altLang="en-US"/>
+          </a:p>
+        </p:txBody>
+      </p:sp>
+      <p:sp>
+        <p:nvSpPr>
+          <p:cNvPr id="6" name="流程图: 顺序访问存储器 5">
+            <a:extLst>
+              <a:ext uri="{FF2B5EF4-FFF2-40B4-BE49-F238E27FC236}">
+                <a16:creationId xmlns:a16="http://schemas.microsoft.com/office/drawing/2014/main" id="{96C829CC-5BD8-4AF2-A579-40B03ACD0E18}"/>
+              </a:ext>
+            </a:extLst>
+          </p:cNvPr>
+          <p:cNvSpPr>
+            <a:spLocks noChangeAspect="1"/>
+          </p:cNvSpPr>
+          <p:nvPr/>
+        </p:nvSpPr>
+        <p:spPr>
+          <a:xfrm>
+            <a:off x="6204402" y="2304640"/>
+            <a:ext cx="2248720" cy="2248720"/>
+          </a:xfrm>
+          <a:prstGeom prst="flowChartMagneticTape">
+            <a:avLst/>
+          </a:prstGeom>
+        </p:spPr>
+        <p:style>
+          <a:lnRef idx="2">
+            <a:schemeClr val="dk1"/>
+          </a:lnRef>
+          <a:fillRef idx="1">
+            <a:schemeClr val="lt1"/>
+          </a:fillRef>
+          <a:effectRef idx="0">
+            <a:schemeClr val="dk1"/>
+          </a:effectRef>
+          <a:fontRef idx="minor">
+            <a:schemeClr val="dk1"/>
+          </a:fontRef>
+        </p:style>
+        <p:txBody>
+          <a:bodyPr rtlCol="0" anchor="t"/>
+          <a:lstStyle/>
+          <a:p>
+            <a:pPr algn="ctr"/>
+            <a:r>
+              <a:rPr lang="en-US" altLang="zh-CN" dirty="0" err="1"/>
+              <a:t>Gogisnet</a:t>
+            </a:r>
+            <a:endParaRPr lang="en-US" altLang="zh-CN" dirty="0"/>
+          </a:p>
+          <a:p>
+            <a:pPr algn="ctr"/>
+            <a:r>
+              <a:rPr lang="zh-CN" altLang="en-US" dirty="0"/>
+              <a:t>服务端</a:t>
+            </a:r>
+          </a:p>
+        </p:txBody>
+      </p:sp>
+      <p:sp>
+        <p:nvSpPr>
+          <p:cNvPr id="8" name="矩形 7">
+            <a:extLst>
+              <a:ext uri="{FF2B5EF4-FFF2-40B4-BE49-F238E27FC236}">
+                <a16:creationId xmlns:a16="http://schemas.microsoft.com/office/drawing/2014/main" id="{6D04B95D-0B3F-4EFC-80DB-F7225CEDFF2B}"/>
+              </a:ext>
+            </a:extLst>
+          </p:cNvPr>
+          <p:cNvSpPr/>
+          <p:nvPr/>
+        </p:nvSpPr>
+        <p:spPr>
+          <a:xfrm>
+            <a:off x="4202840" y="3187858"/>
+            <a:ext cx="1320800" cy="642405"/>
+          </a:xfrm>
+          <a:prstGeom prst="rect">
+            <a:avLst/>
+          </a:prstGeom>
+        </p:spPr>
+        <p:style>
+          <a:lnRef idx="2">
+            <a:schemeClr val="dk1"/>
+          </a:lnRef>
+          <a:fillRef idx="1">
+            <a:schemeClr val="lt1"/>
+          </a:fillRef>
+          <a:effectRef idx="0">
+            <a:schemeClr val="dk1"/>
+          </a:effectRef>
+          <a:fontRef idx="minor">
+            <a:schemeClr val="dk1"/>
+          </a:fontRef>
+        </p:style>
+        <p:txBody>
+          <a:bodyPr rtlCol="0" anchor="ctr"/>
+          <a:lstStyle/>
+          <a:p>
+            <a:pPr algn="ctr"/>
+            <a:r>
+              <a:rPr lang="en-US" altLang="zh-CN" dirty="0" err="1"/>
+              <a:t>Jmeter</a:t>
+            </a:r>
+            <a:endParaRPr lang="en-US" altLang="zh-CN" dirty="0"/>
+          </a:p>
+          <a:p>
+            <a:pPr algn="ctr"/>
+            <a:r>
+              <a:rPr lang="zh-CN" altLang="en-US" dirty="0"/>
+              <a:t>调度进程</a:t>
+            </a:r>
+          </a:p>
+        </p:txBody>
+      </p:sp>
+      <p:sp>
+        <p:nvSpPr>
+          <p:cNvPr id="22" name="箭头: 左右 21">
+            <a:extLst>
+              <a:ext uri="{FF2B5EF4-FFF2-40B4-BE49-F238E27FC236}">
+                <a16:creationId xmlns:a16="http://schemas.microsoft.com/office/drawing/2014/main" id="{A6EF9615-2946-4616-B0C0-32F2D90EA9FA}"/>
+              </a:ext>
+            </a:extLst>
+          </p:cNvPr>
+          <p:cNvSpPr/>
+          <p:nvPr/>
+        </p:nvSpPr>
+        <p:spPr>
+          <a:xfrm>
+            <a:off x="637378" y="2766219"/>
+            <a:ext cx="3101502" cy="1325561"/>
+          </a:xfrm>
+          <a:prstGeom prst="leftRightArrow">
+            <a:avLst/>
+          </a:prstGeom>
+        </p:spPr>
+        <p:style>
+          <a:lnRef idx="2">
+            <a:schemeClr val="dk1"/>
+          </a:lnRef>
+          <a:fillRef idx="1">
+            <a:schemeClr val="lt1"/>
+          </a:fillRef>
+          <a:effectRef idx="0">
+            <a:schemeClr val="dk1"/>
+          </a:effectRef>
+          <a:fontRef idx="minor">
+            <a:schemeClr val="dk1"/>
+          </a:fontRef>
+        </p:style>
+        <p:txBody>
+          <a:bodyPr rtlCol="0" anchor="ctr"/>
+          <a:lstStyle/>
+          <a:p>
+            <a:pPr algn="ctr"/>
+            <a:r>
+              <a:rPr lang="zh-CN" altLang="en-US" dirty="0"/>
+              <a:t>处理测试请求</a:t>
+            </a:r>
+          </a:p>
+        </p:txBody>
+      </p:sp>
       <p:cxnSp>
         <p:nvCxnSpPr>
           <p:cNvPr id="50" name="连接符: 肘形 49">
@@ -4899,11 +4951,54 @@
             <a:pPr algn="ctr"/>
             <a:r>
               <a:rPr lang="en-US" altLang="zh-CN" dirty="0"/>
-              <a:t>IP</a:t>
+              <a:t>TCP</a:t>
             </a:r>
             <a:r>
               <a:rPr lang="zh-CN" altLang="en-US" dirty="0"/>
               <a:t>地址表</a:t>
+            </a:r>
+          </a:p>
+        </p:txBody>
+      </p:sp>
+      <p:sp>
+        <p:nvSpPr>
+          <p:cNvPr id="25" name="文本框 24">
+            <a:extLst>
+              <a:ext uri="{FF2B5EF4-FFF2-40B4-BE49-F238E27FC236}">
+                <a16:creationId xmlns:a16="http://schemas.microsoft.com/office/drawing/2014/main" id="{7C7CE527-FA5A-49CB-B4B7-CD30E9897FC6}"/>
+              </a:ext>
+            </a:extLst>
+          </p:cNvPr>
+          <p:cNvSpPr txBox="1"/>
+          <p:nvPr/>
+        </p:nvSpPr>
+        <p:spPr>
+          <a:xfrm>
+            <a:off x="7553045" y="4800600"/>
+            <a:ext cx="2416046" cy="338554"/>
+          </a:xfrm>
+          <a:prstGeom prst="rect">
+            <a:avLst/>
+          </a:prstGeom>
+          <a:noFill/>
+        </p:spPr>
+        <p:txBody>
+          <a:bodyPr wrap="none" rtlCol="0">
+            <a:spAutoFit/>
+          </a:bodyPr>
+          <a:lstStyle/>
+          <a:p>
+            <a:r>
+              <a:rPr lang="zh-CN" altLang="en-US" sz="1600" dirty="0"/>
+              <a:t>所需的</a:t>
+            </a:r>
+            <a:r>
+              <a:rPr lang="en-US" altLang="zh-CN" sz="1600" dirty="0" err="1"/>
+              <a:t>Jmeter</a:t>
+            </a:r>
+            <a:r>
+              <a:rPr lang="zh-CN" altLang="en-US" sz="1600" dirty="0"/>
+              <a:t>服务器数量</a:t>
             </a:r>
           </a:p>
         </p:txBody>
@@ -4939,6 +5034,86 @@
             <a:r>
               <a:rPr lang="zh-CN" altLang="en-US" sz="1600" dirty="0"/>
               <a:t>运行时输入</a:t>
+            </a:r>
+          </a:p>
+        </p:txBody>
+      </p:sp>
+      <p:cxnSp>
+        <p:nvCxnSpPr>
+          <p:cNvPr id="29" name="连接符: 肘形 28">
+            <a:extLst>
+              <a:ext uri="{FF2B5EF4-FFF2-40B4-BE49-F238E27FC236}">
+                <a16:creationId xmlns:a16="http://schemas.microsoft.com/office/drawing/2014/main" id="{7A66EA55-1FBB-40EF-B20A-0338490FA5E7}"/>
+              </a:ext>
+            </a:extLst>
+          </p:cNvPr>
+          <p:cNvCxnSpPr>
+            <a:cxnSpLocks/>
+            <a:stCxn id="46" idx="3"/>
+            <a:endCxn id="45" idx="3"/>
+          </p:cNvCxnSpPr>
+          <p:nvPr/>
+        </p:nvCxnSpPr>
+        <p:spPr>
+          <a:xfrm flipH="1">
+            <a:off x="11563650" y="4844621"/>
+            <a:ext cx="32553" cy="985070"/>
+          </a:xfrm>
+          <a:prstGeom prst="bentConnector3">
+            <a:avLst>
+              <a:gd name="adj1" fmla="val -702239"/>
+            </a:avLst>
+          </a:prstGeom>
+          <a:ln>
+            <a:tailEnd type="triangle"/>
+          </a:ln>
+        </p:spPr>
+        <p:style>
+          <a:lnRef idx="3">
+            <a:schemeClr val="dk1"/>
+          </a:lnRef>
+          <a:fillRef idx="0">
+            <a:schemeClr val="dk1"/>
+          </a:fillRef>
+          <a:effectRef idx="2">
+            <a:schemeClr val="dk1"/>
+          </a:effectRef>
+          <a:fontRef idx="minor">
+            <a:schemeClr val="tx1"/>
+          </a:fontRef>
+        </p:style>
+      </p:cxnSp>
+      <p:sp>
+        <p:nvSpPr>
+          <p:cNvPr id="32" name="文本框 31">
+            <a:extLst>
+              <a:ext uri="{FF2B5EF4-FFF2-40B4-BE49-F238E27FC236}">
+                <a16:creationId xmlns:a16="http://schemas.microsoft.com/office/drawing/2014/main" id="{5B673332-7350-47AE-96F5-87765F502547}"/>
+              </a:ext>
+            </a:extLst>
+          </p:cNvPr>
+          <p:cNvSpPr txBox="1"/>
+          <p:nvPr/>
+        </p:nvSpPr>
+        <p:spPr>
+          <a:xfrm>
+            <a:off x="11367210" y="5057102"/>
+            <a:ext cx="595035" cy="338554"/>
+          </a:xfrm>
+          <a:prstGeom prst="rect">
+            <a:avLst/>
+          </a:prstGeom>
+          <a:noFill/>
+        </p:spPr>
+        <p:txBody>
+          <a:bodyPr wrap="none" rtlCol="0">
+            <a:spAutoFit/>
+          </a:bodyPr>
+          <a:lstStyle/>
+          <a:p>
+            <a:r>
+              <a:rPr lang="zh-CN" altLang="en-US" sz="1600" dirty="0"/>
+              <a:t>创建</a:t>
             </a:r>
           </a:p>
         </p:txBody>
